--- a/presentations/16 - Refatoração e Clean Code - Como ser eficaz.pptx
+++ b/presentations/16 - Refatoração e Clean Code - Como ser eficaz.pptx
@@ -5,20 +5,23 @@
     <p:sldMasterId id="2147483668" r:id="rId4"/>
   </p:sldMasterIdLst>
   <p:notesMasterIdLst>
-    <p:notesMasterId r:id="rId13"/>
+    <p:notesMasterId r:id="rId16"/>
   </p:notesMasterIdLst>
   <p:handoutMasterIdLst>
-    <p:handoutMasterId r:id="rId14"/>
+    <p:handoutMasterId r:id="rId17"/>
   </p:handoutMasterIdLst>
   <p:sldIdLst>
     <p:sldId id="285" r:id="rId5"/>
     <p:sldId id="274" r:id="rId6"/>
     <p:sldId id="300" r:id="rId7"/>
-    <p:sldId id="287" r:id="rId8"/>
-    <p:sldId id="331" r:id="rId9"/>
-    <p:sldId id="321" r:id="rId10"/>
-    <p:sldId id="319" r:id="rId11"/>
-    <p:sldId id="283" r:id="rId12"/>
+    <p:sldId id="333" r:id="rId8"/>
+    <p:sldId id="287" r:id="rId9"/>
+    <p:sldId id="332" r:id="rId10"/>
+    <p:sldId id="331" r:id="rId11"/>
+    <p:sldId id="334" r:id="rId12"/>
+    <p:sldId id="321" r:id="rId13"/>
+    <p:sldId id="319" r:id="rId14"/>
+    <p:sldId id="283" r:id="rId15"/>
   </p:sldIdLst>
   <p:sldSz cx="12192000" cy="6858000"/>
   <p:notesSz cx="6858000" cy="9144000"/>
@@ -228,7 +231,7 @@
             <a:fld id="{9DEF996C-CA2C-436E-A903-7F2E7C68ADF8}" type="datetimeFigureOut">
               <a:rPr lang="en-US" smtClean="0"/>
               <a:pPr/>
-              <a:t>7/7/2020</a:t>
+              <a:t>7/22/2020</a:t>
             </a:fld>
             <a:endParaRPr lang="en-US"/>
           </a:p>
@@ -395,7 +398,7 @@
             <a:fld id="{56D6514A-F4CA-40F5-B508-6CC5FEA6DD64}" type="datetimeFigureOut">
               <a:rPr lang="en-US" smtClean="0"/>
               <a:pPr/>
-              <a:t>7/7/2020</a:t>
+              <a:t>7/22/2020</a:t>
             </a:fld>
             <a:endParaRPr lang="en-US"/>
           </a:p>
@@ -855,7 +858,7 @@
           <a:p>
             <a:fld id="{0A0255A0-EE2B-6E49-A611-C16850102233}" type="datetimeFigureOut">
               <a:rPr lang="en-US" smtClean="0"/>
-              <a:t>7/7/2020</a:t>
+              <a:t>7/22/2020</a:t>
             </a:fld>
             <a:endParaRPr lang="en-US"/>
           </a:p>
@@ -1049,7 +1052,7 @@
           <a:p>
             <a:fld id="{0A0255A0-EE2B-6E49-A611-C16850102233}" type="datetimeFigureOut">
               <a:rPr lang="en-US" smtClean="0"/>
-              <a:t>7/7/2020</a:t>
+              <a:t>7/22/2020</a:t>
             </a:fld>
             <a:endParaRPr lang="en-US"/>
           </a:p>
@@ -1253,7 +1256,7 @@
           <a:p>
             <a:fld id="{0A0255A0-EE2B-6E49-A611-C16850102233}" type="datetimeFigureOut">
               <a:rPr lang="en-US" smtClean="0"/>
-              <a:t>7/7/2020</a:t>
+              <a:t>7/22/2020</a:t>
             </a:fld>
             <a:endParaRPr lang="en-US"/>
           </a:p>
@@ -3259,7 +3262,7 @@
           <a:p>
             <a:fld id="{0A0255A0-EE2B-6E49-A611-C16850102233}" type="datetimeFigureOut">
               <a:rPr lang="en-US" smtClean="0"/>
-              <a:t>7/7/2020</a:t>
+              <a:t>7/22/2020</a:t>
             </a:fld>
             <a:endParaRPr lang="en-US"/>
           </a:p>
@@ -3529,7 +3532,7 @@
           <a:p>
             <a:fld id="{0A0255A0-EE2B-6E49-A611-C16850102233}" type="datetimeFigureOut">
               <a:rPr lang="en-US" smtClean="0"/>
-              <a:t>7/7/2020</a:t>
+              <a:t>7/22/2020</a:t>
             </a:fld>
             <a:endParaRPr lang="en-US"/>
           </a:p>
@@ -3841,7 +3844,7 @@
           <a:p>
             <a:fld id="{0A0255A0-EE2B-6E49-A611-C16850102233}" type="datetimeFigureOut">
               <a:rPr lang="en-US" smtClean="0"/>
-              <a:t>7/7/2020</a:t>
+              <a:t>7/22/2020</a:t>
             </a:fld>
             <a:endParaRPr lang="en-US"/>
           </a:p>
@@ -4287,7 +4290,7 @@
           <a:p>
             <a:fld id="{0A0255A0-EE2B-6E49-A611-C16850102233}" type="datetimeFigureOut">
               <a:rPr lang="en-US" smtClean="0"/>
-              <a:t>7/7/2020</a:t>
+              <a:t>7/22/2020</a:t>
             </a:fld>
             <a:endParaRPr lang="en-US"/>
           </a:p>
@@ -4429,7 +4432,7 @@
           <a:p>
             <a:fld id="{0A0255A0-EE2B-6E49-A611-C16850102233}" type="datetimeFigureOut">
               <a:rPr lang="en-US" smtClean="0"/>
-              <a:t>7/7/2020</a:t>
+              <a:t>7/22/2020</a:t>
             </a:fld>
             <a:endParaRPr lang="en-US"/>
           </a:p>
@@ -4548,7 +4551,7 @@
           <a:p>
             <a:fld id="{0A0255A0-EE2B-6E49-A611-C16850102233}" type="datetimeFigureOut">
               <a:rPr lang="en-US" smtClean="0"/>
-              <a:t>7/7/2020</a:t>
+              <a:t>7/22/2020</a:t>
             </a:fld>
             <a:endParaRPr lang="en-US"/>
           </a:p>
@@ -4849,7 +4852,7 @@
           <a:p>
             <a:fld id="{0A0255A0-EE2B-6E49-A611-C16850102233}" type="datetimeFigureOut">
               <a:rPr lang="en-US" smtClean="0"/>
-              <a:t>7/7/2020</a:t>
+              <a:t>7/22/2020</a:t>
             </a:fld>
             <a:endParaRPr lang="en-US"/>
           </a:p>
@@ -5126,7 +5129,7 @@
           <a:p>
             <a:fld id="{0A0255A0-EE2B-6E49-A611-C16850102233}" type="datetimeFigureOut">
               <a:rPr lang="en-US" smtClean="0"/>
-              <a:t>7/7/2020</a:t>
+              <a:t>7/22/2020</a:t>
             </a:fld>
             <a:endParaRPr lang="en-US"/>
           </a:p>
@@ -6488,1223 +6491,7 @@
 </p:sld>
 </file>
 
-<file path=ppt/slides/slide2.xml><?xml version="1.0" encoding="utf-8"?>
-<p:sld xmlns:a="http://schemas.openxmlformats.org/drawingml/2006/main" xmlns:r="http://schemas.openxmlformats.org/officeDocument/2006/relationships" xmlns:p="http://schemas.openxmlformats.org/presentationml/2006/main">
-  <p:cSld>
-    <p:spTree>
-      <p:nvGrpSpPr>
-        <p:cNvPr id="1" name=""/>
-        <p:cNvGrpSpPr/>
-        <p:nvPr/>
-      </p:nvGrpSpPr>
-      <p:grpSpPr>
-        <a:xfrm>
-          <a:off x="0" y="0"/>
-          <a:ext cx="0" cy="0"/>
-          <a:chOff x="0" y="0"/>
-          <a:chExt cx="0" cy="0"/>
-        </a:xfrm>
-      </p:grpSpPr>
-      <p:sp>
-        <p:nvSpPr>
-          <p:cNvPr id="26" name="Espaço Reservado para Texto 25"/>
-          <p:cNvSpPr>
-            <a:spLocks noGrp="1"/>
-          </p:cNvSpPr>
-          <p:nvPr>
-            <p:ph type="body" sz="quarter" idx="16"/>
-          </p:nvPr>
-        </p:nvSpPr>
-        <p:spPr>
-          <a:xfrm>
-            <a:off x="575733" y="1340768"/>
-            <a:ext cx="11040533" cy="632244"/>
-          </a:xfrm>
-        </p:spPr>
-        <p:txBody>
-          <a:bodyPr>
-            <a:normAutofit/>
-          </a:bodyPr>
-          <a:lstStyle/>
-          <a:p>
-            <a:pPr algn="ctr"/>
-            <a:r>
-              <a:rPr lang="da-DK" sz="1800" dirty="0">
-                <a:solidFill>
-                  <a:srgbClr val="123274"/>
-                </a:solidFill>
-                <a:latin typeface="Segoe UI" panose="020B0502040204020203" pitchFamily="34" charset="0"/>
-                <a:cs typeface="Segoe UI" panose="020B0502040204020203" pitchFamily="34" charset="0"/>
-              </a:rPr>
-              <a:t>Débito Técnico, Clean Code e Refatoração</a:t>
-            </a:r>
-            <a:endParaRPr lang="pt-BR" sz="1800" dirty="0">
-              <a:solidFill>
-                <a:srgbClr val="123274"/>
-              </a:solidFill>
-              <a:latin typeface="Segoe UI" panose="020B0502040204020203" pitchFamily="34" charset="0"/>
-              <a:cs typeface="Segoe UI" panose="020B0502040204020203" pitchFamily="34" charset="0"/>
-            </a:endParaRPr>
-          </a:p>
-        </p:txBody>
-      </p:sp>
-      <p:sp>
-        <p:nvSpPr>
-          <p:cNvPr id="4" name="Título 2"/>
-          <p:cNvSpPr>
-            <a:spLocks noGrp="1"/>
-          </p:cNvSpPr>
-          <p:nvPr>
-            <p:ph type="title"/>
-          </p:nvPr>
-        </p:nvSpPr>
-        <p:spPr/>
-        <p:txBody>
-          <a:bodyPr/>
-          <a:lstStyle/>
-          <a:p>
-            <a:r>
-              <a:rPr lang="pt-BR" dirty="0">
-                <a:latin typeface="Segoe UI" panose="020B0502040204020203" pitchFamily="34" charset="0"/>
-                <a:cs typeface="Segoe UI" panose="020B0502040204020203" pitchFamily="34" charset="0"/>
-              </a:rPr>
-              <a:t>Recapitulando...</a:t>
-            </a:r>
-          </a:p>
-        </p:txBody>
-      </p:sp>
-      <p:sp>
-        <p:nvSpPr>
-          <p:cNvPr id="5" name="Rectangle: Rounded Corners 4">
-            <a:extLst>
-              <a:ext uri="{FF2B5EF4-FFF2-40B4-BE49-F238E27FC236}">
-                <a16:creationId xmlns:a16="http://schemas.microsoft.com/office/drawing/2014/main" id="{7CCD433C-7C28-4B20-A8FD-DB1A48D99E1E}"/>
-              </a:ext>
-            </a:extLst>
-          </p:cNvPr>
-          <p:cNvSpPr/>
-          <p:nvPr/>
-        </p:nvSpPr>
-        <p:spPr>
-          <a:xfrm>
-            <a:off x="6095999" y="2392761"/>
-            <a:ext cx="2448272" cy="1800200"/>
-          </a:xfrm>
-          <a:prstGeom prst="roundRect">
-            <a:avLst/>
-          </a:prstGeom>
-          <a:ln/>
-        </p:spPr>
-        <p:style>
-          <a:lnRef idx="1">
-            <a:schemeClr val="accent3"/>
-          </a:lnRef>
-          <a:fillRef idx="3">
-            <a:schemeClr val="accent3"/>
-          </a:fillRef>
-          <a:effectRef idx="2">
-            <a:schemeClr val="accent3"/>
-          </a:effectRef>
-          <a:fontRef idx="minor">
-            <a:schemeClr val="lt1"/>
-          </a:fontRef>
-        </p:style>
-        <p:txBody>
-          <a:bodyPr rtlCol="0" anchor="ctr"/>
-          <a:lstStyle/>
-          <a:p>
-            <a:pPr algn="ctr"/>
-            <a:endParaRPr lang="pt-BR" b="1" dirty="0"/>
-          </a:p>
-          <a:p>
-            <a:pPr algn="ctr"/>
-            <a:r>
-              <a:rPr lang="pt-BR" b="1" dirty="0" err="1"/>
-              <a:t>Refatoração</a:t>
-            </a:r>
-            <a:endParaRPr lang="pt-BR" b="1" dirty="0"/>
-          </a:p>
-          <a:p>
-            <a:pPr algn="ctr"/>
-            <a:endParaRPr lang="pt-BR" b="1" dirty="0"/>
-          </a:p>
-        </p:txBody>
-      </p:sp>
-      <p:sp>
-        <p:nvSpPr>
-          <p:cNvPr id="6" name="Rectangle: Rounded Corners 5">
-            <a:extLst>
-              <a:ext uri="{FF2B5EF4-FFF2-40B4-BE49-F238E27FC236}">
-                <a16:creationId xmlns:a16="http://schemas.microsoft.com/office/drawing/2014/main" id="{38FD9DF7-73FF-4E9C-834B-627803D685EF}"/>
-              </a:ext>
-            </a:extLst>
-          </p:cNvPr>
-          <p:cNvSpPr/>
-          <p:nvPr/>
-        </p:nvSpPr>
-        <p:spPr>
-          <a:xfrm>
-            <a:off x="767408" y="2392761"/>
-            <a:ext cx="2448272" cy="1800200"/>
-          </a:xfrm>
-          <a:prstGeom prst="roundRect">
-            <a:avLst/>
-          </a:prstGeom>
-          <a:ln/>
-        </p:spPr>
-        <p:style>
-          <a:lnRef idx="1">
-            <a:schemeClr val="accent3"/>
-          </a:lnRef>
-          <a:fillRef idx="3">
-            <a:schemeClr val="accent3"/>
-          </a:fillRef>
-          <a:effectRef idx="2">
-            <a:schemeClr val="accent3"/>
-          </a:effectRef>
-          <a:fontRef idx="minor">
-            <a:schemeClr val="lt1"/>
-          </a:fontRef>
-        </p:style>
-        <p:txBody>
-          <a:bodyPr rtlCol="0" anchor="ctr"/>
-          <a:lstStyle/>
-          <a:p>
-            <a:pPr algn="ctr"/>
-            <a:endParaRPr lang="pt-BR" b="1" dirty="0"/>
-          </a:p>
-          <a:p>
-            <a:pPr algn="ctr"/>
-            <a:r>
-              <a:rPr lang="pt-BR" b="1" dirty="0"/>
-              <a:t>Débito técnico</a:t>
-            </a:r>
-          </a:p>
-          <a:p>
-            <a:pPr algn="ctr"/>
-            <a:endParaRPr lang="pt-BR" b="1" dirty="0"/>
-          </a:p>
-        </p:txBody>
-      </p:sp>
-      <p:sp>
-        <p:nvSpPr>
-          <p:cNvPr id="8" name="Rectangle: Rounded Corners 7">
-            <a:extLst>
-              <a:ext uri="{FF2B5EF4-FFF2-40B4-BE49-F238E27FC236}">
-                <a16:creationId xmlns:a16="http://schemas.microsoft.com/office/drawing/2014/main" id="{946DEF89-3BBD-4D58-9841-0C2C42C8DBF6}"/>
-              </a:ext>
-            </a:extLst>
-          </p:cNvPr>
-          <p:cNvSpPr/>
-          <p:nvPr/>
-        </p:nvSpPr>
-        <p:spPr>
-          <a:xfrm>
-            <a:off x="3431704" y="2392761"/>
-            <a:ext cx="2448272" cy="1800200"/>
-          </a:xfrm>
-          <a:prstGeom prst="roundRect">
-            <a:avLst/>
-          </a:prstGeom>
-          <a:ln/>
-        </p:spPr>
-        <p:style>
-          <a:lnRef idx="1">
-            <a:schemeClr val="accent3"/>
-          </a:lnRef>
-          <a:fillRef idx="3">
-            <a:schemeClr val="accent3"/>
-          </a:fillRef>
-          <a:effectRef idx="2">
-            <a:schemeClr val="accent3"/>
-          </a:effectRef>
-          <a:fontRef idx="minor">
-            <a:schemeClr val="lt1"/>
-          </a:fontRef>
-        </p:style>
-        <p:txBody>
-          <a:bodyPr rtlCol="0" anchor="ctr"/>
-          <a:lstStyle/>
-          <a:p>
-            <a:pPr algn="ctr"/>
-            <a:endParaRPr lang="pt-BR" b="1" dirty="0"/>
-          </a:p>
-          <a:p>
-            <a:pPr algn="ctr"/>
-            <a:r>
-              <a:rPr lang="pt-BR" b="1" dirty="0"/>
-              <a:t>Clean </a:t>
-            </a:r>
-            <a:r>
-              <a:rPr lang="pt-BR" b="1" dirty="0" err="1"/>
-              <a:t>Code</a:t>
-            </a:r>
-            <a:endParaRPr lang="pt-BR" b="1" dirty="0"/>
-          </a:p>
-          <a:p>
-            <a:pPr algn="ctr"/>
-            <a:endParaRPr lang="pt-BR" b="1" dirty="0"/>
-          </a:p>
-        </p:txBody>
-      </p:sp>
-      <p:sp>
-        <p:nvSpPr>
-          <p:cNvPr id="9" name="Rectangle: Rounded Corners 8">
-            <a:extLst>
-              <a:ext uri="{FF2B5EF4-FFF2-40B4-BE49-F238E27FC236}">
-                <a16:creationId xmlns:a16="http://schemas.microsoft.com/office/drawing/2014/main" id="{CE8853B2-6594-44B4-BF09-31A279D7AA43}"/>
-              </a:ext>
-            </a:extLst>
-          </p:cNvPr>
-          <p:cNvSpPr/>
-          <p:nvPr/>
-        </p:nvSpPr>
-        <p:spPr>
-          <a:xfrm>
-            <a:off x="8760294" y="2392761"/>
-            <a:ext cx="2448272" cy="1800200"/>
-          </a:xfrm>
-          <a:prstGeom prst="roundRect">
-            <a:avLst/>
-          </a:prstGeom>
-          <a:ln/>
-        </p:spPr>
-        <p:style>
-          <a:lnRef idx="1">
-            <a:schemeClr val="accent3"/>
-          </a:lnRef>
-          <a:fillRef idx="3">
-            <a:schemeClr val="accent3"/>
-          </a:fillRef>
-          <a:effectRef idx="2">
-            <a:schemeClr val="accent3"/>
-          </a:effectRef>
-          <a:fontRef idx="minor">
-            <a:schemeClr val="lt1"/>
-          </a:fontRef>
-        </p:style>
-        <p:txBody>
-          <a:bodyPr rtlCol="0" anchor="ctr"/>
-          <a:lstStyle/>
-          <a:p>
-            <a:pPr algn="ctr"/>
-            <a:endParaRPr lang="pt-BR" b="1" dirty="0"/>
-          </a:p>
-          <a:p>
-            <a:pPr algn="ctr"/>
-            <a:r>
-              <a:rPr lang="pt-BR" b="1" dirty="0"/>
-              <a:t>Técnicas de </a:t>
-            </a:r>
-            <a:r>
-              <a:rPr lang="pt-BR" b="1" dirty="0" err="1"/>
-              <a:t>Refatoração</a:t>
-            </a:r>
-            <a:endParaRPr lang="pt-BR" b="1" dirty="0"/>
-          </a:p>
-          <a:p>
-            <a:pPr algn="ctr"/>
-            <a:endParaRPr lang="pt-BR" b="1" dirty="0"/>
-          </a:p>
-        </p:txBody>
-      </p:sp>
-    </p:spTree>
-    <p:extLst>
-      <p:ext uri="{BB962C8B-B14F-4D97-AF65-F5344CB8AC3E}">
-        <p14:creationId xmlns:p14="http://schemas.microsoft.com/office/powerpoint/2010/main" val="3695790986"/>
-      </p:ext>
-    </p:extLst>
-  </p:cSld>
-  <p:clrMapOvr>
-    <a:masterClrMapping/>
-  </p:clrMapOvr>
-  <p:transition>
-    <p:fade thruBlk="1"/>
-  </p:transition>
-</p:sld>
-</file>
-
-<file path=ppt/slides/slide3.xml><?xml version="1.0" encoding="utf-8"?>
-<p:sld xmlns:a="http://schemas.openxmlformats.org/drawingml/2006/main" xmlns:r="http://schemas.openxmlformats.org/officeDocument/2006/relationships" xmlns:p="http://schemas.openxmlformats.org/presentationml/2006/main">
-  <p:cSld>
-    <p:spTree>
-      <p:nvGrpSpPr>
-        <p:cNvPr id="1" name=""/>
-        <p:cNvGrpSpPr/>
-        <p:nvPr/>
-      </p:nvGrpSpPr>
-      <p:grpSpPr>
-        <a:xfrm>
-          <a:off x="0" y="0"/>
-          <a:ext cx="0" cy="0"/>
-          <a:chOff x="0" y="0"/>
-          <a:chExt cx="0" cy="0"/>
-        </a:xfrm>
-      </p:grpSpPr>
-      <p:sp>
-        <p:nvSpPr>
-          <p:cNvPr id="6" name="Rectangle 13"/>
-          <p:cNvSpPr/>
-          <p:nvPr/>
-        </p:nvSpPr>
-        <p:spPr>
-          <a:xfrm>
-            <a:off x="335360" y="3077189"/>
-            <a:ext cx="9865096" cy="639278"/>
-          </a:xfrm>
-          <a:prstGeom prst="rect">
-            <a:avLst/>
-          </a:prstGeom>
-        </p:spPr>
-        <p:txBody>
-          <a:bodyPr wrap="square" anchor="ctr">
-            <a:spAutoFit/>
-          </a:bodyPr>
-          <a:lstStyle/>
-          <a:p>
-            <a:pPr lvl="0">
-              <a:lnSpc>
-                <a:spcPts val="4600"/>
-              </a:lnSpc>
-            </a:pPr>
-            <a:r>
-              <a:rPr lang="pt-BR" sz="3600" dirty="0" err="1">
-                <a:solidFill>
-                  <a:srgbClr val="FFFFFF"/>
-                </a:solidFill>
-                <a:latin typeface="Segoe UI" panose="020B0502040204020203" pitchFamily="34" charset="0"/>
-                <a:cs typeface="Segoe UI" panose="020B0502040204020203" pitchFamily="34" charset="0"/>
-              </a:rPr>
-              <a:t>Refatoração</a:t>
-            </a:r>
-            <a:r>
-              <a:rPr lang="pt-BR" sz="3600" dirty="0">
-                <a:solidFill>
-                  <a:srgbClr val="FFFFFF"/>
-                </a:solidFill>
-                <a:latin typeface="Segoe UI" panose="020B0502040204020203" pitchFamily="34" charset="0"/>
-                <a:cs typeface="Segoe UI" panose="020B0502040204020203" pitchFamily="34" charset="0"/>
-              </a:rPr>
-              <a:t> – Como ser </a:t>
-            </a:r>
-            <a:r>
-              <a:rPr lang="pt-BR" sz="3600" dirty="0" err="1">
-                <a:solidFill>
-                  <a:srgbClr val="FFFFFF"/>
-                </a:solidFill>
-                <a:latin typeface="Segoe UI" panose="020B0502040204020203" pitchFamily="34" charset="0"/>
-                <a:cs typeface="Segoe UI" panose="020B0502040204020203" pitchFamily="34" charset="0"/>
-              </a:rPr>
-              <a:t>eficar</a:t>
-            </a:r>
-            <a:r>
-              <a:rPr lang="pt-BR" sz="3600" dirty="0">
-                <a:solidFill>
-                  <a:srgbClr val="FFFFFF"/>
-                </a:solidFill>
-                <a:latin typeface="Segoe UI" panose="020B0502040204020203" pitchFamily="34" charset="0"/>
-                <a:cs typeface="Segoe UI" panose="020B0502040204020203" pitchFamily="34" charset="0"/>
-              </a:rPr>
-              <a:t>?</a:t>
-            </a:r>
-            <a:endParaRPr lang="en-US" sz="3600" dirty="0">
-              <a:solidFill>
-                <a:srgbClr val="FFFFFF"/>
-              </a:solidFill>
-              <a:latin typeface="Segoe UI" panose="020B0502040204020203" pitchFamily="34" charset="0"/>
-              <a:cs typeface="Segoe UI" panose="020B0502040204020203" pitchFamily="34" charset="0"/>
-            </a:endParaRPr>
-          </a:p>
-        </p:txBody>
-      </p:sp>
-    </p:spTree>
-    <p:extLst>
-      <p:ext uri="{BB962C8B-B14F-4D97-AF65-F5344CB8AC3E}">
-        <p14:creationId xmlns:p14="http://schemas.microsoft.com/office/powerpoint/2010/main" val="2940308037"/>
-      </p:ext>
-    </p:extLst>
-  </p:cSld>
-  <p:clrMapOvr>
-    <a:masterClrMapping/>
-  </p:clrMapOvr>
-  <p:transition>
-    <p:fade thruBlk="1"/>
-  </p:transition>
-</p:sld>
-</file>
-
-<file path=ppt/slides/slide4.xml><?xml version="1.0" encoding="utf-8"?>
-<p:sld xmlns:a="http://schemas.openxmlformats.org/drawingml/2006/main" xmlns:r="http://schemas.openxmlformats.org/officeDocument/2006/relationships" xmlns:p="http://schemas.openxmlformats.org/presentationml/2006/main">
-  <p:cSld>
-    <p:spTree>
-      <p:nvGrpSpPr>
-        <p:cNvPr id="1" name=""/>
-        <p:cNvGrpSpPr/>
-        <p:nvPr/>
-      </p:nvGrpSpPr>
-      <p:grpSpPr>
-        <a:xfrm>
-          <a:off x="0" y="0"/>
-          <a:ext cx="0" cy="0"/>
-          <a:chOff x="0" y="0"/>
-          <a:chExt cx="0" cy="0"/>
-        </a:xfrm>
-      </p:grpSpPr>
-      <p:sp>
-        <p:nvSpPr>
-          <p:cNvPr id="2" name="Título 1"/>
-          <p:cNvSpPr>
-            <a:spLocks noGrp="1"/>
-          </p:cNvSpPr>
-          <p:nvPr>
-            <p:ph type="title"/>
-          </p:nvPr>
-        </p:nvSpPr>
-        <p:spPr/>
-        <p:txBody>
-          <a:bodyPr/>
-          <a:lstStyle/>
-          <a:p>
-            <a:r>
-              <a:rPr lang="pt-BR">
-                <a:latin typeface="Segoe UI" panose="020B0502040204020203" pitchFamily="34" charset="0"/>
-                <a:cs typeface="Segoe UI" panose="020B0502040204020203" pitchFamily="34" charset="0"/>
-              </a:rPr>
-              <a:t>COMO SER EFICAZ?</a:t>
-            </a:r>
-            <a:endParaRPr lang="pt-BR" dirty="0">
-              <a:latin typeface="Segoe UI" panose="020B0502040204020203" pitchFamily="34" charset="0"/>
-              <a:cs typeface="Segoe UI" panose="020B0502040204020203" pitchFamily="34" charset="0"/>
-            </a:endParaRPr>
-          </a:p>
-        </p:txBody>
-      </p:sp>
-      <p:pic>
-        <p:nvPicPr>
-          <p:cNvPr id="9" name="Picture 10" descr="A picture containing photo, man, sign, food&#10;&#10;Description automatically generated">
-            <a:extLst>
-              <a:ext uri="{FF2B5EF4-FFF2-40B4-BE49-F238E27FC236}">
-                <a16:creationId xmlns:a16="http://schemas.microsoft.com/office/drawing/2014/main" id="{4F35C221-2E17-4FCA-8A77-72BF5F62B6A3}"/>
-              </a:ext>
-            </a:extLst>
-          </p:cNvPr>
-          <p:cNvPicPr>
-            <a:picLocks noChangeAspect="1"/>
-          </p:cNvPicPr>
-          <p:nvPr/>
-        </p:nvPicPr>
-        <p:blipFill rotWithShape="1">
-          <a:blip r:embed="rId2">
-            <a:extLst>
-              <a:ext uri="{28A0092B-C50C-407E-A947-70E740481C1C}">
-                <a14:useLocalDpi xmlns:a14="http://schemas.microsoft.com/office/drawing/2010/main" val="0"/>
-              </a:ext>
-            </a:extLst>
-          </a:blip>
-          <a:srcRect b="30551"/>
-          <a:stretch/>
-        </p:blipFill>
-        <p:spPr>
-          <a:xfrm>
-            <a:off x="7683926" y="4005064"/>
-            <a:ext cx="3812674" cy="2070636"/>
-          </a:xfrm>
-          <a:prstGeom prst="rect">
-            <a:avLst/>
-          </a:prstGeom>
-          <a:ln>
-            <a:noFill/>
-          </a:ln>
-          <a:effectLst>
-            <a:outerShdw blurRad="292100" dist="139700" dir="2700000" algn="tl" rotWithShape="0">
-              <a:srgbClr val="333333">
-                <a:alpha val="65000"/>
-              </a:srgbClr>
-            </a:outerShdw>
-          </a:effectLst>
-        </p:spPr>
-      </p:pic>
-      <p:pic>
-        <p:nvPicPr>
-          <p:cNvPr id="10" name="Picture 14" descr="A picture containing person, building, man, indoor&#10;&#10;Description automatically generated">
-            <a:extLst>
-              <a:ext uri="{FF2B5EF4-FFF2-40B4-BE49-F238E27FC236}">
-                <a16:creationId xmlns:a16="http://schemas.microsoft.com/office/drawing/2014/main" id="{C44FDC2C-3B71-41C7-9C90-0BD4EB50BC05}"/>
-              </a:ext>
-            </a:extLst>
-          </p:cNvPr>
-          <p:cNvPicPr>
-            <a:picLocks noChangeAspect="1"/>
-          </p:cNvPicPr>
-          <p:nvPr/>
-        </p:nvPicPr>
-        <p:blipFill>
-          <a:blip r:embed="rId3">
-            <a:extLst>
-              <a:ext uri="{28A0092B-C50C-407E-A947-70E740481C1C}">
-                <a14:useLocalDpi xmlns:a14="http://schemas.microsoft.com/office/drawing/2010/main" val="0"/>
-              </a:ext>
-            </a:extLst>
-          </a:blip>
-          <a:stretch>
-            <a:fillRect/>
-          </a:stretch>
-        </p:blipFill>
-        <p:spPr>
-          <a:xfrm>
-            <a:off x="551384" y="1047900"/>
-            <a:ext cx="3315579" cy="2187084"/>
-          </a:xfrm>
-          <a:prstGeom prst="rect">
-            <a:avLst/>
-          </a:prstGeom>
-          <a:ln>
-            <a:noFill/>
-          </a:ln>
-          <a:effectLst>
-            <a:outerShdw blurRad="292100" dist="139700" dir="2700000" algn="tl" rotWithShape="0">
-              <a:srgbClr val="333333">
-                <a:alpha val="65000"/>
-              </a:srgbClr>
-            </a:outerShdw>
-          </a:effectLst>
-        </p:spPr>
-      </p:pic>
-      <p:pic>
-        <p:nvPicPr>
-          <p:cNvPr id="11" name="Picture 8" descr="A person looking at the camera&#10;&#10;Description automatically generated">
-            <a:extLst>
-              <a:ext uri="{FF2B5EF4-FFF2-40B4-BE49-F238E27FC236}">
-                <a16:creationId xmlns:a16="http://schemas.microsoft.com/office/drawing/2014/main" id="{AFF7A36F-4E54-439A-8C7E-A2F53CAD018F}"/>
-              </a:ext>
-            </a:extLst>
-          </p:cNvPr>
-          <p:cNvPicPr>
-            <a:picLocks noChangeAspect="1"/>
-          </p:cNvPicPr>
-          <p:nvPr/>
-        </p:nvPicPr>
-        <p:blipFill rotWithShape="1">
-          <a:blip r:embed="rId4">
-            <a:extLst>
-              <a:ext uri="{28A0092B-C50C-407E-A947-70E740481C1C}">
-                <a14:useLocalDpi xmlns:a14="http://schemas.microsoft.com/office/drawing/2010/main" val="0"/>
-              </a:ext>
-            </a:extLst>
-          </a:blip>
-          <a:srcRect b="2348"/>
-          <a:stretch/>
-        </p:blipFill>
-        <p:spPr>
-          <a:xfrm>
-            <a:off x="3793386" y="1974761"/>
-            <a:ext cx="3971223" cy="2908478"/>
-          </a:xfrm>
-          <a:prstGeom prst="rect">
-            <a:avLst/>
-          </a:prstGeom>
-          <a:ln>
-            <a:noFill/>
-          </a:ln>
-          <a:effectLst>
-            <a:outerShdw blurRad="190500" algn="tl" rotWithShape="0">
-              <a:srgbClr val="000000">
-                <a:alpha val="70000"/>
-              </a:srgbClr>
-            </a:outerShdw>
-          </a:effectLst>
-        </p:spPr>
-      </p:pic>
-    </p:spTree>
-    <p:extLst>
-      <p:ext uri="{BB962C8B-B14F-4D97-AF65-F5344CB8AC3E}">
-        <p14:creationId xmlns:p14="http://schemas.microsoft.com/office/powerpoint/2010/main" val="2877506298"/>
-      </p:ext>
-    </p:extLst>
-  </p:cSld>
-  <p:clrMapOvr>
-    <a:masterClrMapping/>
-  </p:clrMapOvr>
-  <p:transition>
-    <p:fade/>
-  </p:transition>
-</p:sld>
-</file>
-
-<file path=ppt/slides/slide5.xml><?xml version="1.0" encoding="utf-8"?>
-<p:sld xmlns:a="http://schemas.openxmlformats.org/drawingml/2006/main" xmlns:r="http://schemas.openxmlformats.org/officeDocument/2006/relationships" xmlns:p="http://schemas.openxmlformats.org/presentationml/2006/main">
-  <p:cSld>
-    <p:spTree>
-      <p:nvGrpSpPr>
-        <p:cNvPr id="1" name=""/>
-        <p:cNvGrpSpPr/>
-        <p:nvPr/>
-      </p:nvGrpSpPr>
-      <p:grpSpPr>
-        <a:xfrm>
-          <a:off x="0" y="0"/>
-          <a:ext cx="0" cy="0"/>
-          <a:chOff x="0" y="0"/>
-          <a:chExt cx="0" cy="0"/>
-        </a:xfrm>
-      </p:grpSpPr>
-      <p:sp>
-        <p:nvSpPr>
-          <p:cNvPr id="2" name="Título 1"/>
-          <p:cNvSpPr>
-            <a:spLocks noGrp="1"/>
-          </p:cNvSpPr>
-          <p:nvPr>
-            <p:ph type="title"/>
-          </p:nvPr>
-        </p:nvSpPr>
-        <p:spPr/>
-        <p:txBody>
-          <a:bodyPr/>
-          <a:lstStyle/>
-          <a:p>
-            <a:r>
-              <a:rPr lang="pt-BR" dirty="0">
-                <a:latin typeface="Segoe UI" panose="020B0502040204020203" pitchFamily="34" charset="0"/>
-                <a:cs typeface="Segoe UI" panose="020B0502040204020203" pitchFamily="34" charset="0"/>
-              </a:rPr>
-              <a:t>A chave da questão é: MÉTRICA</a:t>
-            </a:r>
-          </a:p>
-        </p:txBody>
-      </p:sp>
-      <p:sp>
-        <p:nvSpPr>
-          <p:cNvPr id="7" name="TextBox 1">
-            <a:extLst>
-              <a:ext uri="{FF2B5EF4-FFF2-40B4-BE49-F238E27FC236}">
-                <a16:creationId xmlns:a16="http://schemas.microsoft.com/office/drawing/2014/main" id="{6EC98344-20B2-49FF-9F19-F9FBCB6826A0}"/>
-              </a:ext>
-            </a:extLst>
-          </p:cNvPr>
-          <p:cNvSpPr txBox="1"/>
-          <p:nvPr/>
-        </p:nvSpPr>
-        <p:spPr>
-          <a:xfrm>
-            <a:off x="2207568" y="1428452"/>
-            <a:ext cx="7138465" cy="4308872"/>
-          </a:xfrm>
-          <a:prstGeom prst="rect">
-            <a:avLst/>
-          </a:prstGeom>
-          <a:noFill/>
-        </p:spPr>
-        <p:txBody>
-          <a:bodyPr wrap="square" lIns="0" tIns="0" rIns="0" bIns="0" rtlCol="0">
-            <a:spAutoFit/>
-          </a:bodyPr>
-          <a:lstStyle/>
-          <a:p>
-            <a:pPr algn="just"/>
-            <a:r>
-              <a:rPr lang="pt-BR" sz="2000" dirty="0">
-                <a:solidFill>
-                  <a:srgbClr val="123274"/>
-                </a:solidFill>
-                <a:latin typeface="Segoe UI" panose="020B0502040204020203" pitchFamily="34" charset="0"/>
-                <a:cs typeface="Segoe UI" panose="020B0502040204020203" pitchFamily="34" charset="0"/>
-              </a:rPr>
-              <a:t>A abordagem deve ser baseada em </a:t>
-            </a:r>
-            <a:r>
-              <a:rPr lang="pt-BR" sz="2000" b="1" u="sng" dirty="0">
-                <a:solidFill>
-                  <a:srgbClr val="123274"/>
-                </a:solidFill>
-                <a:latin typeface="Segoe UI" panose="020B0502040204020203" pitchFamily="34" charset="0"/>
-                <a:cs typeface="Segoe UI" panose="020B0502040204020203" pitchFamily="34" charset="0"/>
-              </a:rPr>
-              <a:t>métricas</a:t>
-            </a:r>
-            <a:r>
-              <a:rPr lang="pt-BR" sz="2000" dirty="0">
-                <a:solidFill>
-                  <a:srgbClr val="123274"/>
-                </a:solidFill>
-                <a:latin typeface="Segoe UI" panose="020B0502040204020203" pitchFamily="34" charset="0"/>
-                <a:cs typeface="Segoe UI" panose="020B0502040204020203" pitchFamily="34" charset="0"/>
-              </a:rPr>
-              <a:t> de software.</a:t>
-            </a:r>
-          </a:p>
-          <a:p>
-            <a:pPr algn="just"/>
-            <a:endParaRPr lang="pt-BR" sz="2000" dirty="0">
-              <a:solidFill>
-                <a:srgbClr val="123274"/>
-              </a:solidFill>
-              <a:latin typeface="Segoe UI" panose="020B0502040204020203" pitchFamily="34" charset="0"/>
-              <a:cs typeface="Segoe UI" panose="020B0502040204020203" pitchFamily="34" charset="0"/>
-            </a:endParaRPr>
-          </a:p>
-          <a:p>
-            <a:pPr algn="just"/>
-            <a:r>
-              <a:rPr lang="pt-BR" sz="2000" dirty="0">
-                <a:solidFill>
-                  <a:srgbClr val="123274"/>
-                </a:solidFill>
-                <a:latin typeface="Segoe UI" panose="020B0502040204020203" pitchFamily="34" charset="0"/>
-                <a:cs typeface="Segoe UI" panose="020B0502040204020203" pitchFamily="34" charset="0"/>
-              </a:rPr>
-              <a:t>As métricas podem medir inúmeras características de software:</a:t>
-            </a:r>
-          </a:p>
-          <a:p>
-            <a:pPr marL="742950" lvl="1" indent="-285750" algn="just">
-              <a:buFont typeface="Arial" panose="020B0604020202020204" pitchFamily="34" charset="0"/>
-              <a:buChar char="•"/>
-            </a:pPr>
-            <a:r>
-              <a:rPr lang="pt-BR" sz="2000" dirty="0">
-                <a:solidFill>
-                  <a:srgbClr val="123274"/>
-                </a:solidFill>
-                <a:latin typeface="Segoe UI" panose="020B0502040204020203" pitchFamily="34" charset="0"/>
-                <a:cs typeface="Segoe UI" panose="020B0502040204020203" pitchFamily="34" charset="0"/>
-              </a:rPr>
-              <a:t>qualidade</a:t>
-            </a:r>
-          </a:p>
-          <a:p>
-            <a:pPr marL="742950" lvl="1" indent="-285750" algn="just">
-              <a:buFont typeface="Arial" panose="020B0604020202020204" pitchFamily="34" charset="0"/>
-              <a:buChar char="•"/>
-            </a:pPr>
-            <a:r>
-              <a:rPr lang="pt-BR" sz="2000" dirty="0">
-                <a:solidFill>
-                  <a:srgbClr val="123274"/>
-                </a:solidFill>
-                <a:latin typeface="Segoe UI" panose="020B0502040204020203" pitchFamily="34" charset="0"/>
-                <a:cs typeface="Segoe UI" panose="020B0502040204020203" pitchFamily="34" charset="0"/>
-              </a:rPr>
-              <a:t>segurança</a:t>
-            </a:r>
-          </a:p>
-          <a:p>
-            <a:pPr marL="742950" lvl="1" indent="-285750" algn="just">
-              <a:buFont typeface="Arial" panose="020B0604020202020204" pitchFamily="34" charset="0"/>
-              <a:buChar char="•"/>
-            </a:pPr>
-            <a:r>
-              <a:rPr lang="pt-BR" sz="2000" dirty="0">
-                <a:solidFill>
-                  <a:srgbClr val="123274"/>
-                </a:solidFill>
-                <a:latin typeface="Segoe UI" panose="020B0502040204020203" pitchFamily="34" charset="0"/>
-                <a:cs typeface="Segoe UI" panose="020B0502040204020203" pitchFamily="34" charset="0"/>
-              </a:rPr>
-              <a:t>processo</a:t>
-            </a:r>
-          </a:p>
-          <a:p>
-            <a:pPr algn="just"/>
-            <a:endParaRPr lang="pt-BR" sz="2000" dirty="0">
-              <a:solidFill>
-                <a:srgbClr val="123274"/>
-              </a:solidFill>
-              <a:latin typeface="Segoe UI" panose="020B0502040204020203" pitchFamily="34" charset="0"/>
-              <a:cs typeface="Segoe UI" panose="020B0502040204020203" pitchFamily="34" charset="0"/>
-            </a:endParaRPr>
-          </a:p>
-          <a:p>
-            <a:pPr algn="just"/>
-            <a:r>
-              <a:rPr lang="pt-BR" sz="2000" dirty="0">
-                <a:solidFill>
-                  <a:srgbClr val="123274"/>
-                </a:solidFill>
-                <a:latin typeface="Segoe UI" panose="020B0502040204020203" pitchFamily="34" charset="0"/>
-                <a:cs typeface="Segoe UI" panose="020B0502040204020203" pitchFamily="34" charset="0"/>
-              </a:rPr>
-              <a:t>No que se refere ao código e sua </a:t>
-            </a:r>
-            <a:r>
-              <a:rPr lang="pt-BR" sz="2000" dirty="0" err="1">
-                <a:solidFill>
-                  <a:srgbClr val="123274"/>
-                </a:solidFill>
-                <a:latin typeface="Segoe UI" panose="020B0502040204020203" pitchFamily="34" charset="0"/>
-                <a:cs typeface="Segoe UI" panose="020B0502040204020203" pitchFamily="34" charset="0"/>
-              </a:rPr>
-              <a:t>refatoração</a:t>
-            </a:r>
-            <a:r>
-              <a:rPr lang="pt-BR" sz="2000" dirty="0">
-                <a:solidFill>
-                  <a:srgbClr val="123274"/>
-                </a:solidFill>
-                <a:latin typeface="Segoe UI" panose="020B0502040204020203" pitchFamily="34" charset="0"/>
-                <a:cs typeface="Segoe UI" panose="020B0502040204020203" pitchFamily="34" charset="0"/>
-              </a:rPr>
-              <a:t>, o foco estará nas métricas relacionadas aos atributos de qualidade, tais como:</a:t>
-            </a:r>
-          </a:p>
-          <a:p>
-            <a:pPr marL="742950" lvl="1" indent="-285750" algn="just">
-              <a:buFont typeface="Arial" panose="020B0604020202020204" pitchFamily="34" charset="0"/>
-              <a:buChar char="•"/>
-            </a:pPr>
-            <a:r>
-              <a:rPr lang="pt-BR" sz="2000" dirty="0">
-                <a:solidFill>
-                  <a:srgbClr val="123274"/>
-                </a:solidFill>
-                <a:latin typeface="Segoe UI" panose="020B0502040204020203" pitchFamily="34" charset="0"/>
-                <a:cs typeface="Segoe UI" panose="020B0502040204020203" pitchFamily="34" charset="0"/>
-              </a:rPr>
-              <a:t>tamanho</a:t>
-            </a:r>
-          </a:p>
-          <a:p>
-            <a:pPr marL="742950" lvl="1" indent="-285750" algn="just">
-              <a:buFont typeface="Arial" panose="020B0604020202020204" pitchFamily="34" charset="0"/>
-              <a:buChar char="•"/>
-            </a:pPr>
-            <a:r>
-              <a:rPr lang="pt-BR" sz="2000" dirty="0">
-                <a:solidFill>
-                  <a:srgbClr val="123274"/>
-                </a:solidFill>
-                <a:latin typeface="Segoe UI" panose="020B0502040204020203" pitchFamily="34" charset="0"/>
-                <a:cs typeface="Segoe UI" panose="020B0502040204020203" pitchFamily="34" charset="0"/>
-              </a:rPr>
-              <a:t>complexidade</a:t>
-            </a:r>
-          </a:p>
-          <a:p>
-            <a:pPr marL="742950" lvl="1" indent="-285750" algn="just">
-              <a:buFont typeface="Arial" panose="020B0604020202020204" pitchFamily="34" charset="0"/>
-              <a:buChar char="•"/>
-            </a:pPr>
-            <a:r>
-              <a:rPr lang="pt-BR" sz="2000" dirty="0">
-                <a:solidFill>
-                  <a:srgbClr val="123274"/>
-                </a:solidFill>
-                <a:latin typeface="Segoe UI" panose="020B0502040204020203" pitchFamily="34" charset="0"/>
-                <a:cs typeface="Segoe UI" panose="020B0502040204020203" pitchFamily="34" charset="0"/>
-              </a:rPr>
-              <a:t>manutenibilidade</a:t>
-            </a:r>
-          </a:p>
-          <a:p>
-            <a:pPr marL="742950" lvl="1" indent="-285750" algn="just">
-              <a:buFont typeface="Arial" panose="020B0604020202020204" pitchFamily="34" charset="0"/>
-              <a:buChar char="•"/>
-            </a:pPr>
-            <a:r>
-              <a:rPr lang="pt-BR" sz="2000" dirty="0">
-                <a:solidFill>
-                  <a:srgbClr val="123274"/>
-                </a:solidFill>
-                <a:latin typeface="Segoe UI" panose="020B0502040204020203" pitchFamily="34" charset="0"/>
-                <a:cs typeface="Segoe UI" panose="020B0502040204020203" pitchFamily="34" charset="0"/>
-              </a:rPr>
-              <a:t>confiabilidade</a:t>
-            </a:r>
-          </a:p>
-          <a:p>
-            <a:pPr marL="742950" lvl="1" indent="-285750" algn="just">
-              <a:buFont typeface="Arial" panose="020B0604020202020204" pitchFamily="34" charset="0"/>
-              <a:buChar char="•"/>
-            </a:pPr>
-            <a:r>
-              <a:rPr lang="pt-BR" sz="2000" dirty="0">
-                <a:solidFill>
-                  <a:srgbClr val="123274"/>
-                </a:solidFill>
-                <a:latin typeface="Segoe UI" panose="020B0502040204020203" pitchFamily="34" charset="0"/>
-                <a:cs typeface="Segoe UI" panose="020B0502040204020203" pitchFamily="34" charset="0"/>
-              </a:rPr>
-              <a:t>duplicidade</a:t>
-            </a:r>
-          </a:p>
-        </p:txBody>
-      </p:sp>
-      <p:pic>
-        <p:nvPicPr>
-          <p:cNvPr id="8" name="Picture 5" descr="A picture containing clock&#10;&#10;Description automatically generated">
-            <a:extLst>
-              <a:ext uri="{FF2B5EF4-FFF2-40B4-BE49-F238E27FC236}">
-                <a16:creationId xmlns:a16="http://schemas.microsoft.com/office/drawing/2014/main" id="{F4A4ECF4-28EB-41BB-8294-01FAFDD1204C}"/>
-              </a:ext>
-            </a:extLst>
-          </p:cNvPr>
-          <p:cNvPicPr>
-            <a:picLocks noChangeAspect="1"/>
-          </p:cNvPicPr>
-          <p:nvPr/>
-        </p:nvPicPr>
-        <p:blipFill>
-          <a:blip r:embed="rId2">
-            <a:extLst>
-              <a:ext uri="{28A0092B-C50C-407E-A947-70E740481C1C}">
-                <a14:useLocalDpi xmlns:a14="http://schemas.microsoft.com/office/drawing/2010/main" val="0"/>
-              </a:ext>
-            </a:extLst>
-          </a:blip>
-          <a:stretch>
-            <a:fillRect/>
-          </a:stretch>
-        </p:blipFill>
-        <p:spPr>
-          <a:xfrm>
-            <a:off x="5439004" y="4704327"/>
-            <a:ext cx="1313992" cy="1313992"/>
-          </a:xfrm>
-          <a:prstGeom prst="rect">
-            <a:avLst/>
-          </a:prstGeom>
-          <a:ln>
-            <a:noFill/>
-          </a:ln>
-          <a:effectLst>
-            <a:outerShdw blurRad="292100" dist="139700" dir="2700000" algn="tl" rotWithShape="0">
-              <a:srgbClr val="333333">
-                <a:alpha val="65000"/>
-              </a:srgbClr>
-            </a:outerShdw>
-          </a:effectLst>
-        </p:spPr>
-      </p:pic>
-      <p:pic>
-        <p:nvPicPr>
-          <p:cNvPr id="12" name="Picture 6" descr="A white and black tiled wall&#10;&#10;Description automatically generated">
-            <a:extLst>
-              <a:ext uri="{FF2B5EF4-FFF2-40B4-BE49-F238E27FC236}">
-                <a16:creationId xmlns:a16="http://schemas.microsoft.com/office/drawing/2014/main" id="{C2FECB1F-F8C5-47F6-B632-5C5826BA9147}"/>
-              </a:ext>
-            </a:extLst>
-          </p:cNvPr>
-          <p:cNvPicPr>
-            <a:picLocks noChangeAspect="1"/>
-          </p:cNvPicPr>
-          <p:nvPr/>
-        </p:nvPicPr>
-        <p:blipFill>
-          <a:blip r:embed="rId3" cstate="print">
-            <a:extLst>
-              <a:ext uri="{28A0092B-C50C-407E-A947-70E740481C1C}">
-                <a14:useLocalDpi xmlns:a14="http://schemas.microsoft.com/office/drawing/2010/main" val="0"/>
-              </a:ext>
-            </a:extLst>
-          </a:blip>
-          <a:stretch>
-            <a:fillRect/>
-          </a:stretch>
-        </p:blipFill>
-        <p:spPr>
-          <a:xfrm>
-            <a:off x="9984432" y="2608057"/>
-            <a:ext cx="1024492" cy="1024492"/>
-          </a:xfrm>
-          <a:prstGeom prst="rect">
-            <a:avLst/>
-          </a:prstGeom>
-          <a:ln>
-            <a:noFill/>
-          </a:ln>
-          <a:effectLst>
-            <a:outerShdw blurRad="190500" algn="tl" rotWithShape="0">
-              <a:srgbClr val="000000">
-                <a:alpha val="70000"/>
-              </a:srgbClr>
-            </a:outerShdw>
-          </a:effectLst>
-        </p:spPr>
-      </p:pic>
-      <p:pic>
-        <p:nvPicPr>
-          <p:cNvPr id="13" name="Picture 7" descr="A picture containing object, plate&#10;&#10;Description automatically generated">
-            <a:extLst>
-              <a:ext uri="{FF2B5EF4-FFF2-40B4-BE49-F238E27FC236}">
-                <a16:creationId xmlns:a16="http://schemas.microsoft.com/office/drawing/2014/main" id="{267CFE37-F4AA-4411-9518-9F4C7ADDCC6C}"/>
-              </a:ext>
-            </a:extLst>
-          </p:cNvPr>
-          <p:cNvPicPr>
-            <a:picLocks noChangeAspect="1"/>
-          </p:cNvPicPr>
-          <p:nvPr/>
-        </p:nvPicPr>
-        <p:blipFill>
-          <a:blip r:embed="rId4" cstate="print">
-            <a:extLst>
-              <a:ext uri="{28A0092B-C50C-407E-A947-70E740481C1C}">
-                <a14:useLocalDpi xmlns:a14="http://schemas.microsoft.com/office/drawing/2010/main" val="0"/>
-              </a:ext>
-            </a:extLst>
-          </a:blip>
-          <a:stretch>
-            <a:fillRect/>
-          </a:stretch>
-        </p:blipFill>
-        <p:spPr>
-          <a:xfrm>
-            <a:off x="839416" y="2785934"/>
-            <a:ext cx="948884" cy="668737"/>
-          </a:xfrm>
-          <a:prstGeom prst="rect">
-            <a:avLst/>
-          </a:prstGeom>
-          <a:ln>
-            <a:noFill/>
-          </a:ln>
-          <a:effectLst>
-            <a:softEdge rad="112500"/>
-          </a:effectLst>
-        </p:spPr>
-      </p:pic>
-    </p:spTree>
-    <p:extLst>
-      <p:ext uri="{BB962C8B-B14F-4D97-AF65-F5344CB8AC3E}">
-        <p14:creationId xmlns:p14="http://schemas.microsoft.com/office/powerpoint/2010/main" val="2172860785"/>
-      </p:ext>
-    </p:extLst>
-  </p:cSld>
-  <p:clrMapOvr>
-    <a:masterClrMapping/>
-  </p:clrMapOvr>
-  <p:transition>
-    <p:fade/>
-  </p:transition>
-</p:sld>
-</file>
-
-<file path=ppt/slides/slide6.xml><?xml version="1.0" encoding="utf-8"?>
-<p:sld xmlns:a="http://schemas.openxmlformats.org/drawingml/2006/main" xmlns:r="http://schemas.openxmlformats.org/officeDocument/2006/relationships" xmlns:p="http://schemas.openxmlformats.org/presentationml/2006/main">
-  <p:cSld>
-    <p:spTree>
-      <p:nvGrpSpPr>
-        <p:cNvPr id="1" name=""/>
-        <p:cNvGrpSpPr/>
-        <p:nvPr/>
-      </p:nvGrpSpPr>
-      <p:grpSpPr>
-        <a:xfrm>
-          <a:off x="0" y="0"/>
-          <a:ext cx="0" cy="0"/>
-          <a:chOff x="0" y="0"/>
-          <a:chExt cx="0" cy="0"/>
-        </a:xfrm>
-      </p:grpSpPr>
-      <p:sp>
-        <p:nvSpPr>
-          <p:cNvPr id="6" name="Rectangle 13"/>
-          <p:cNvSpPr/>
-          <p:nvPr/>
-        </p:nvSpPr>
-        <p:spPr>
-          <a:xfrm>
-            <a:off x="335360" y="3077189"/>
-            <a:ext cx="9361040" cy="639278"/>
-          </a:xfrm>
-          <a:prstGeom prst="rect">
-            <a:avLst/>
-          </a:prstGeom>
-        </p:spPr>
-        <p:txBody>
-          <a:bodyPr wrap="square" anchor="ctr">
-            <a:spAutoFit/>
-          </a:bodyPr>
-          <a:lstStyle/>
-          <a:p>
-            <a:pPr lvl="0">
-              <a:lnSpc>
-                <a:spcPts val="4600"/>
-              </a:lnSpc>
-            </a:pPr>
-            <a:r>
-              <a:rPr lang="en-US" sz="3600" dirty="0" err="1">
-                <a:solidFill>
-                  <a:srgbClr val="FFFFFF"/>
-                </a:solidFill>
-                <a:latin typeface="Segoe UI" panose="020B0502040204020203" pitchFamily="34" charset="0"/>
-                <a:cs typeface="Segoe UI" panose="020B0502040204020203" pitchFamily="34" charset="0"/>
-              </a:rPr>
-              <a:t>Referências</a:t>
-            </a:r>
-            <a:endParaRPr lang="en-US" sz="3600" dirty="0">
-              <a:solidFill>
-                <a:srgbClr val="FFFFFF"/>
-              </a:solidFill>
-              <a:latin typeface="Segoe UI" panose="020B0502040204020203" pitchFamily="34" charset="0"/>
-              <a:cs typeface="Segoe UI" panose="020B0502040204020203" pitchFamily="34" charset="0"/>
-            </a:endParaRPr>
-          </a:p>
-        </p:txBody>
-      </p:sp>
-      <p:pic>
-        <p:nvPicPr>
-          <p:cNvPr id="3" name="Imagem 2" descr="Homem de terno e gravata&#10;&#10;Descrição gerada automaticamente">
-            <a:extLst>
-              <a:ext uri="{FF2B5EF4-FFF2-40B4-BE49-F238E27FC236}">
-                <a16:creationId xmlns:a16="http://schemas.microsoft.com/office/drawing/2014/main" id="{B7CF9731-B742-4361-B426-B113AA0D89B1}"/>
-              </a:ext>
-            </a:extLst>
-          </p:cNvPr>
-          <p:cNvPicPr>
-            <a:picLocks noChangeAspect="1"/>
-          </p:cNvPicPr>
-          <p:nvPr/>
-        </p:nvPicPr>
-        <p:blipFill>
-          <a:blip r:embed="rId2">
-            <a:extLst>
-              <a:ext uri="{28A0092B-C50C-407E-A947-70E740481C1C}">
-                <a14:useLocalDpi xmlns:a14="http://schemas.microsoft.com/office/drawing/2010/main" val="0"/>
-              </a:ext>
-            </a:extLst>
-          </a:blip>
-          <a:stretch>
-            <a:fillRect/>
-          </a:stretch>
-        </p:blipFill>
-        <p:spPr>
-          <a:xfrm>
-            <a:off x="4439816" y="2165678"/>
-            <a:ext cx="3312368" cy="2526643"/>
-          </a:xfrm>
-          <a:prstGeom prst="rect">
-            <a:avLst/>
-          </a:prstGeom>
-          <a:ln>
-            <a:noFill/>
-          </a:ln>
-          <a:effectLst>
-            <a:outerShdw blurRad="190500" algn="tl" rotWithShape="0">
-              <a:srgbClr val="000000">
-                <a:alpha val="70000"/>
-              </a:srgbClr>
-            </a:outerShdw>
-          </a:effectLst>
-        </p:spPr>
-      </p:pic>
-    </p:spTree>
-    <p:extLst>
-      <p:ext uri="{BB962C8B-B14F-4D97-AF65-F5344CB8AC3E}">
-        <p14:creationId xmlns:p14="http://schemas.microsoft.com/office/powerpoint/2010/main" val="2822912050"/>
-      </p:ext>
-    </p:extLst>
-  </p:cSld>
-  <p:clrMapOvr>
-    <a:masterClrMapping/>
-  </p:clrMapOvr>
-  <p:transition>
-    <p:fade thruBlk="1"/>
-  </p:transition>
-</p:sld>
-</file>
-
-<file path=ppt/slides/slide7.xml><?xml version="1.0" encoding="utf-8"?>
+<file path=ppt/slides/slide10.xml><?xml version="1.0" encoding="utf-8"?>
 <p:sld xmlns:a="http://schemas.openxmlformats.org/drawingml/2006/main" xmlns:r="http://schemas.openxmlformats.org/officeDocument/2006/relationships" xmlns:p="http://schemas.openxmlformats.org/presentationml/2006/main">
   <p:cSld>
     <p:spTree>
@@ -8041,7 +6828,7 @@
 </p:sld>
 </file>
 
-<file path=ppt/slides/slide8.xml><?xml version="1.0" encoding="utf-8"?>
+<file path=ppt/slides/slide11.xml><?xml version="1.0" encoding="utf-8"?>
 <p:sld xmlns:a="http://schemas.openxmlformats.org/drawingml/2006/main" xmlns:r="http://schemas.openxmlformats.org/officeDocument/2006/relationships" xmlns:p="http://schemas.openxmlformats.org/presentationml/2006/main">
   <p:cSld>
     <p:spTree>
@@ -8125,31 +6912,22 @@
               </a:rPr>
             </a:br>
             <a:r>
-              <a:rPr lang="pt-BR" sz="2000" dirty="0">
+              <a:rPr lang="pt-BR" sz="2000">
                 <a:solidFill>
                   <a:schemeClr val="accent1"/>
                 </a:solidFill>
                 <a:latin typeface="Segoe UI" panose="020B0502040204020203" pitchFamily="34" charset="0"/>
                 <a:cs typeface="Segoe UI" panose="020B0502040204020203" pitchFamily="34" charset="0"/>
               </a:rPr>
-              <a:t>prestador-paulo.kolbe@b3.com.br/</a:t>
-            </a:r>
-            <a:br>
-              <a:rPr lang="pt-BR" sz="2000" dirty="0">
-                <a:latin typeface="Segoe UI" panose="020B0502040204020203" pitchFamily="34" charset="0"/>
-                <a:cs typeface="Segoe UI" panose="020B0502040204020203" pitchFamily="34" charset="0"/>
-              </a:rPr>
-            </a:br>
-            <a:r>
-              <a:rPr lang="pt-BR" sz="2000" dirty="0">
-                <a:solidFill>
-                  <a:schemeClr val="accent1"/>
-                </a:solidFill>
-                <a:latin typeface="Segoe UI" panose="020B0502040204020203" pitchFamily="34" charset="0"/>
-                <a:cs typeface="Segoe UI" panose="020B0502040204020203" pitchFamily="34" charset="0"/>
-              </a:rPr>
-              <a:t>paulo.kolbe@gft.com</a:t>
-            </a:r>
+              <a:t>lace@b3.com.br</a:t>
+            </a:r>
+            <a:endParaRPr lang="pt-BR" sz="2000" dirty="0">
+              <a:solidFill>
+                <a:schemeClr val="accent1"/>
+              </a:solidFill>
+              <a:latin typeface="Segoe UI" panose="020B0502040204020203" pitchFamily="34" charset="0"/>
+              <a:cs typeface="Segoe UI" panose="020B0502040204020203" pitchFamily="34" charset="0"/>
+            </a:endParaRPr>
           </a:p>
         </p:txBody>
       </p:sp>
@@ -8227,6 +7005,1553 @@
     <p:extLst>
       <p:ext uri="{BB962C8B-B14F-4D97-AF65-F5344CB8AC3E}">
         <p14:creationId xmlns:p14="http://schemas.microsoft.com/office/powerpoint/2010/main" val="4019907073"/>
+      </p:ext>
+    </p:extLst>
+  </p:cSld>
+  <p:clrMapOvr>
+    <a:masterClrMapping/>
+  </p:clrMapOvr>
+  <p:transition>
+    <p:fade thruBlk="1"/>
+  </p:transition>
+</p:sld>
+</file>
+
+<file path=ppt/slides/slide2.xml><?xml version="1.0" encoding="utf-8"?>
+<p:sld xmlns:a="http://schemas.openxmlformats.org/drawingml/2006/main" xmlns:r="http://schemas.openxmlformats.org/officeDocument/2006/relationships" xmlns:p="http://schemas.openxmlformats.org/presentationml/2006/main">
+  <p:cSld>
+    <p:spTree>
+      <p:nvGrpSpPr>
+        <p:cNvPr id="1" name=""/>
+        <p:cNvGrpSpPr/>
+        <p:nvPr/>
+      </p:nvGrpSpPr>
+      <p:grpSpPr>
+        <a:xfrm>
+          <a:off x="0" y="0"/>
+          <a:ext cx="0" cy="0"/>
+          <a:chOff x="0" y="0"/>
+          <a:chExt cx="0" cy="0"/>
+        </a:xfrm>
+      </p:grpSpPr>
+      <p:sp>
+        <p:nvSpPr>
+          <p:cNvPr id="26" name="Espaço Reservado para Texto 25"/>
+          <p:cNvSpPr>
+            <a:spLocks noGrp="1"/>
+          </p:cNvSpPr>
+          <p:nvPr>
+            <p:ph type="body" sz="quarter" idx="16"/>
+          </p:nvPr>
+        </p:nvSpPr>
+        <p:spPr>
+          <a:xfrm>
+            <a:off x="575733" y="1340768"/>
+            <a:ext cx="11040533" cy="632244"/>
+          </a:xfrm>
+        </p:spPr>
+        <p:txBody>
+          <a:bodyPr>
+            <a:normAutofit/>
+          </a:bodyPr>
+          <a:lstStyle/>
+          <a:p>
+            <a:pPr algn="ctr"/>
+            <a:r>
+              <a:rPr lang="da-DK" sz="1800" dirty="0">
+                <a:solidFill>
+                  <a:srgbClr val="123274"/>
+                </a:solidFill>
+                <a:latin typeface="Segoe UI" panose="020B0502040204020203" pitchFamily="34" charset="0"/>
+                <a:cs typeface="Segoe UI" panose="020B0502040204020203" pitchFamily="34" charset="0"/>
+              </a:rPr>
+              <a:t>Débito Técnico, Clean Code e Refatoração</a:t>
+            </a:r>
+            <a:endParaRPr lang="pt-BR" sz="1800" dirty="0">
+              <a:solidFill>
+                <a:srgbClr val="123274"/>
+              </a:solidFill>
+              <a:latin typeface="Segoe UI" panose="020B0502040204020203" pitchFamily="34" charset="0"/>
+              <a:cs typeface="Segoe UI" panose="020B0502040204020203" pitchFamily="34" charset="0"/>
+            </a:endParaRPr>
+          </a:p>
+        </p:txBody>
+      </p:sp>
+      <p:sp>
+        <p:nvSpPr>
+          <p:cNvPr id="4" name="Título 2"/>
+          <p:cNvSpPr>
+            <a:spLocks noGrp="1"/>
+          </p:cNvSpPr>
+          <p:nvPr>
+            <p:ph type="title"/>
+          </p:nvPr>
+        </p:nvSpPr>
+        <p:spPr/>
+        <p:txBody>
+          <a:bodyPr/>
+          <a:lstStyle/>
+          <a:p>
+            <a:r>
+              <a:rPr lang="pt-BR" dirty="0">
+                <a:latin typeface="Segoe UI" panose="020B0502040204020203" pitchFamily="34" charset="0"/>
+                <a:cs typeface="Segoe UI" panose="020B0502040204020203" pitchFamily="34" charset="0"/>
+              </a:rPr>
+              <a:t>Recapitulando...</a:t>
+            </a:r>
+          </a:p>
+        </p:txBody>
+      </p:sp>
+      <p:sp>
+        <p:nvSpPr>
+          <p:cNvPr id="5" name="Rectangle: Rounded Corners 4">
+            <a:extLst>
+              <a:ext uri="{FF2B5EF4-FFF2-40B4-BE49-F238E27FC236}">
+                <a16:creationId xmlns:a16="http://schemas.microsoft.com/office/drawing/2014/main" id="{7CCD433C-7C28-4B20-A8FD-DB1A48D99E1E}"/>
+              </a:ext>
+            </a:extLst>
+          </p:cNvPr>
+          <p:cNvSpPr/>
+          <p:nvPr/>
+        </p:nvSpPr>
+        <p:spPr>
+          <a:xfrm>
+            <a:off x="6095999" y="2392761"/>
+            <a:ext cx="2448272" cy="1800200"/>
+          </a:xfrm>
+          <a:prstGeom prst="roundRect">
+            <a:avLst/>
+          </a:prstGeom>
+          <a:ln/>
+        </p:spPr>
+        <p:style>
+          <a:lnRef idx="1">
+            <a:schemeClr val="accent3"/>
+          </a:lnRef>
+          <a:fillRef idx="3">
+            <a:schemeClr val="accent3"/>
+          </a:fillRef>
+          <a:effectRef idx="2">
+            <a:schemeClr val="accent3"/>
+          </a:effectRef>
+          <a:fontRef idx="minor">
+            <a:schemeClr val="lt1"/>
+          </a:fontRef>
+        </p:style>
+        <p:txBody>
+          <a:bodyPr rtlCol="0" anchor="ctr"/>
+          <a:lstStyle/>
+          <a:p>
+            <a:pPr algn="ctr"/>
+            <a:endParaRPr lang="pt-BR" b="1" dirty="0"/>
+          </a:p>
+          <a:p>
+            <a:pPr algn="ctr"/>
+            <a:r>
+              <a:rPr lang="pt-BR" b="1" dirty="0" err="1"/>
+              <a:t>Refatoração</a:t>
+            </a:r>
+            <a:endParaRPr lang="pt-BR" b="1" dirty="0"/>
+          </a:p>
+          <a:p>
+            <a:pPr algn="ctr"/>
+            <a:endParaRPr lang="pt-BR" b="1" dirty="0"/>
+          </a:p>
+        </p:txBody>
+      </p:sp>
+      <p:sp>
+        <p:nvSpPr>
+          <p:cNvPr id="6" name="Rectangle: Rounded Corners 5">
+            <a:extLst>
+              <a:ext uri="{FF2B5EF4-FFF2-40B4-BE49-F238E27FC236}">
+                <a16:creationId xmlns:a16="http://schemas.microsoft.com/office/drawing/2014/main" id="{38FD9DF7-73FF-4E9C-834B-627803D685EF}"/>
+              </a:ext>
+            </a:extLst>
+          </p:cNvPr>
+          <p:cNvSpPr/>
+          <p:nvPr/>
+        </p:nvSpPr>
+        <p:spPr>
+          <a:xfrm>
+            <a:off x="767408" y="2392761"/>
+            <a:ext cx="2448272" cy="1800200"/>
+          </a:xfrm>
+          <a:prstGeom prst="roundRect">
+            <a:avLst/>
+          </a:prstGeom>
+          <a:ln/>
+        </p:spPr>
+        <p:style>
+          <a:lnRef idx="1">
+            <a:schemeClr val="accent3"/>
+          </a:lnRef>
+          <a:fillRef idx="3">
+            <a:schemeClr val="accent3"/>
+          </a:fillRef>
+          <a:effectRef idx="2">
+            <a:schemeClr val="accent3"/>
+          </a:effectRef>
+          <a:fontRef idx="minor">
+            <a:schemeClr val="lt1"/>
+          </a:fontRef>
+        </p:style>
+        <p:txBody>
+          <a:bodyPr rtlCol="0" anchor="ctr"/>
+          <a:lstStyle/>
+          <a:p>
+            <a:pPr algn="ctr"/>
+            <a:endParaRPr lang="pt-BR" b="1" dirty="0"/>
+          </a:p>
+          <a:p>
+            <a:pPr algn="ctr"/>
+            <a:r>
+              <a:rPr lang="pt-BR" b="1" dirty="0"/>
+              <a:t>Débito técnico</a:t>
+            </a:r>
+          </a:p>
+          <a:p>
+            <a:pPr algn="ctr"/>
+            <a:r>
+              <a:rPr lang="pt-BR" b="1" dirty="0" err="1"/>
+              <a:t>Code</a:t>
+            </a:r>
+            <a:r>
+              <a:rPr lang="pt-BR" b="1" dirty="0"/>
+              <a:t> </a:t>
+            </a:r>
+            <a:r>
+              <a:rPr lang="pt-BR" b="1" dirty="0" err="1"/>
+              <a:t>smells</a:t>
+            </a:r>
+            <a:endParaRPr lang="pt-BR" b="1" dirty="0"/>
+          </a:p>
+          <a:p>
+            <a:pPr algn="ctr"/>
+            <a:r>
+              <a:rPr lang="pt-BR" b="1" dirty="0" err="1"/>
+              <a:t>Dirty</a:t>
+            </a:r>
+            <a:r>
+              <a:rPr lang="pt-BR" b="1" dirty="0"/>
+              <a:t> </a:t>
+            </a:r>
+            <a:r>
+              <a:rPr lang="pt-BR" b="1" dirty="0" err="1"/>
+              <a:t>code</a:t>
+            </a:r>
+            <a:endParaRPr lang="pt-BR" b="1" dirty="0"/>
+          </a:p>
+          <a:p>
+            <a:pPr algn="ctr"/>
+            <a:r>
+              <a:rPr lang="pt-BR" b="1" dirty="0" err="1"/>
+              <a:t>Unclean</a:t>
+            </a:r>
+            <a:r>
+              <a:rPr lang="pt-BR" b="1" dirty="0"/>
+              <a:t> </a:t>
+            </a:r>
+            <a:r>
+              <a:rPr lang="pt-BR" b="1" dirty="0" err="1"/>
+              <a:t>code</a:t>
+            </a:r>
+            <a:endParaRPr lang="pt-BR" b="1" dirty="0"/>
+          </a:p>
+          <a:p>
+            <a:pPr algn="ctr"/>
+            <a:r>
+              <a:rPr lang="pt-BR" b="1" dirty="0"/>
+              <a:t>Gambiarras</a:t>
+            </a:r>
+          </a:p>
+          <a:p>
+            <a:pPr algn="ctr"/>
+            <a:endParaRPr lang="pt-BR" b="1" dirty="0"/>
+          </a:p>
+        </p:txBody>
+      </p:sp>
+      <p:sp>
+        <p:nvSpPr>
+          <p:cNvPr id="8" name="Rectangle: Rounded Corners 7">
+            <a:extLst>
+              <a:ext uri="{FF2B5EF4-FFF2-40B4-BE49-F238E27FC236}">
+                <a16:creationId xmlns:a16="http://schemas.microsoft.com/office/drawing/2014/main" id="{946DEF89-3BBD-4D58-9841-0C2C42C8DBF6}"/>
+              </a:ext>
+            </a:extLst>
+          </p:cNvPr>
+          <p:cNvSpPr/>
+          <p:nvPr/>
+        </p:nvSpPr>
+        <p:spPr>
+          <a:xfrm>
+            <a:off x="3431704" y="2392761"/>
+            <a:ext cx="2448272" cy="1800200"/>
+          </a:xfrm>
+          <a:prstGeom prst="roundRect">
+            <a:avLst/>
+          </a:prstGeom>
+          <a:ln/>
+        </p:spPr>
+        <p:style>
+          <a:lnRef idx="1">
+            <a:schemeClr val="accent3"/>
+          </a:lnRef>
+          <a:fillRef idx="3">
+            <a:schemeClr val="accent3"/>
+          </a:fillRef>
+          <a:effectRef idx="2">
+            <a:schemeClr val="accent3"/>
+          </a:effectRef>
+          <a:fontRef idx="minor">
+            <a:schemeClr val="lt1"/>
+          </a:fontRef>
+        </p:style>
+        <p:txBody>
+          <a:bodyPr rtlCol="0" anchor="ctr"/>
+          <a:lstStyle/>
+          <a:p>
+            <a:pPr algn="ctr"/>
+            <a:endParaRPr lang="pt-BR" b="1" dirty="0"/>
+          </a:p>
+          <a:p>
+            <a:pPr algn="ctr"/>
+            <a:r>
+              <a:rPr lang="pt-BR" b="1" dirty="0"/>
+              <a:t>Clean </a:t>
+            </a:r>
+            <a:r>
+              <a:rPr lang="pt-BR" b="1" dirty="0" err="1"/>
+              <a:t>Code</a:t>
+            </a:r>
+            <a:endParaRPr lang="pt-BR" b="1" dirty="0"/>
+          </a:p>
+          <a:p>
+            <a:pPr algn="ctr"/>
+            <a:endParaRPr lang="pt-BR" b="1" dirty="0"/>
+          </a:p>
+        </p:txBody>
+      </p:sp>
+      <p:sp>
+        <p:nvSpPr>
+          <p:cNvPr id="9" name="Rectangle: Rounded Corners 8">
+            <a:extLst>
+              <a:ext uri="{FF2B5EF4-FFF2-40B4-BE49-F238E27FC236}">
+                <a16:creationId xmlns:a16="http://schemas.microsoft.com/office/drawing/2014/main" id="{CE8853B2-6594-44B4-BF09-31A279D7AA43}"/>
+              </a:ext>
+            </a:extLst>
+          </p:cNvPr>
+          <p:cNvSpPr/>
+          <p:nvPr/>
+        </p:nvSpPr>
+        <p:spPr>
+          <a:xfrm>
+            <a:off x="8760294" y="2392761"/>
+            <a:ext cx="2448272" cy="1800200"/>
+          </a:xfrm>
+          <a:prstGeom prst="roundRect">
+            <a:avLst/>
+          </a:prstGeom>
+          <a:ln/>
+        </p:spPr>
+        <p:style>
+          <a:lnRef idx="1">
+            <a:schemeClr val="accent3"/>
+          </a:lnRef>
+          <a:fillRef idx="3">
+            <a:schemeClr val="accent3"/>
+          </a:fillRef>
+          <a:effectRef idx="2">
+            <a:schemeClr val="accent3"/>
+          </a:effectRef>
+          <a:fontRef idx="minor">
+            <a:schemeClr val="lt1"/>
+          </a:fontRef>
+        </p:style>
+        <p:txBody>
+          <a:bodyPr rtlCol="0" anchor="ctr"/>
+          <a:lstStyle/>
+          <a:p>
+            <a:pPr algn="ctr"/>
+            <a:endParaRPr lang="pt-BR" b="1" dirty="0"/>
+          </a:p>
+          <a:p>
+            <a:pPr algn="ctr"/>
+            <a:r>
+              <a:rPr lang="pt-BR" b="1" dirty="0"/>
+              <a:t>Técnicas de </a:t>
+            </a:r>
+            <a:r>
+              <a:rPr lang="pt-BR" b="1" dirty="0" err="1"/>
+              <a:t>Refatoração</a:t>
+            </a:r>
+            <a:endParaRPr lang="pt-BR" b="1" dirty="0"/>
+          </a:p>
+          <a:p>
+            <a:pPr algn="ctr"/>
+            <a:endParaRPr lang="pt-BR" b="1" dirty="0"/>
+          </a:p>
+        </p:txBody>
+      </p:sp>
+    </p:spTree>
+    <p:extLst>
+      <p:ext uri="{BB962C8B-B14F-4D97-AF65-F5344CB8AC3E}">
+        <p14:creationId xmlns:p14="http://schemas.microsoft.com/office/powerpoint/2010/main" val="3695790986"/>
+      </p:ext>
+    </p:extLst>
+  </p:cSld>
+  <p:clrMapOvr>
+    <a:masterClrMapping/>
+  </p:clrMapOvr>
+  <p:transition>
+    <p:fade thruBlk="1"/>
+  </p:transition>
+</p:sld>
+</file>
+
+<file path=ppt/slides/slide3.xml><?xml version="1.0" encoding="utf-8"?>
+<p:sld xmlns:a="http://schemas.openxmlformats.org/drawingml/2006/main" xmlns:r="http://schemas.openxmlformats.org/officeDocument/2006/relationships" xmlns:p="http://schemas.openxmlformats.org/presentationml/2006/main">
+  <p:cSld>
+    <p:spTree>
+      <p:nvGrpSpPr>
+        <p:cNvPr id="1" name=""/>
+        <p:cNvGrpSpPr/>
+        <p:nvPr/>
+      </p:nvGrpSpPr>
+      <p:grpSpPr>
+        <a:xfrm>
+          <a:off x="0" y="0"/>
+          <a:ext cx="0" cy="0"/>
+          <a:chOff x="0" y="0"/>
+          <a:chExt cx="0" cy="0"/>
+        </a:xfrm>
+      </p:grpSpPr>
+      <p:sp>
+        <p:nvSpPr>
+          <p:cNvPr id="6" name="Rectangle 13"/>
+          <p:cNvSpPr/>
+          <p:nvPr/>
+        </p:nvSpPr>
+        <p:spPr>
+          <a:xfrm>
+            <a:off x="335360" y="3077189"/>
+            <a:ext cx="9865096" cy="639278"/>
+          </a:xfrm>
+          <a:prstGeom prst="rect">
+            <a:avLst/>
+          </a:prstGeom>
+        </p:spPr>
+        <p:txBody>
+          <a:bodyPr wrap="square" anchor="ctr">
+            <a:spAutoFit/>
+          </a:bodyPr>
+          <a:lstStyle/>
+          <a:p>
+            <a:pPr lvl="0">
+              <a:lnSpc>
+                <a:spcPts val="4600"/>
+              </a:lnSpc>
+            </a:pPr>
+            <a:r>
+              <a:rPr lang="pt-BR" sz="3600" dirty="0">
+                <a:solidFill>
+                  <a:srgbClr val="FFFFFF"/>
+                </a:solidFill>
+                <a:latin typeface="Segoe UI" panose="020B0502040204020203" pitchFamily="34" charset="0"/>
+                <a:cs typeface="Segoe UI" panose="020B0502040204020203" pitchFamily="34" charset="0"/>
+              </a:rPr>
+              <a:t>Como ser eficaz?</a:t>
+            </a:r>
+            <a:endParaRPr lang="en-US" sz="3600" dirty="0">
+              <a:solidFill>
+                <a:srgbClr val="FFFFFF"/>
+              </a:solidFill>
+              <a:latin typeface="Segoe UI" panose="020B0502040204020203" pitchFamily="34" charset="0"/>
+              <a:cs typeface="Segoe UI" panose="020B0502040204020203" pitchFamily="34" charset="0"/>
+            </a:endParaRPr>
+          </a:p>
+        </p:txBody>
+      </p:sp>
+    </p:spTree>
+    <p:extLst>
+      <p:ext uri="{BB962C8B-B14F-4D97-AF65-F5344CB8AC3E}">
+        <p14:creationId xmlns:p14="http://schemas.microsoft.com/office/powerpoint/2010/main" val="2940308037"/>
+      </p:ext>
+    </p:extLst>
+  </p:cSld>
+  <p:clrMapOvr>
+    <a:masterClrMapping/>
+  </p:clrMapOvr>
+  <p:transition>
+    <p:fade thruBlk="1"/>
+  </p:transition>
+</p:sld>
+</file>
+
+<file path=ppt/slides/slide4.xml><?xml version="1.0" encoding="utf-8"?>
+<p:sld xmlns:a="http://schemas.openxmlformats.org/drawingml/2006/main" xmlns:r="http://schemas.openxmlformats.org/officeDocument/2006/relationships" xmlns:p="http://schemas.openxmlformats.org/presentationml/2006/main">
+  <p:cSld>
+    <p:spTree>
+      <p:nvGrpSpPr>
+        <p:cNvPr id="1" name=""/>
+        <p:cNvGrpSpPr/>
+        <p:nvPr/>
+      </p:nvGrpSpPr>
+      <p:grpSpPr>
+        <a:xfrm>
+          <a:off x="0" y="0"/>
+          <a:ext cx="0" cy="0"/>
+          <a:chOff x="0" y="0"/>
+          <a:chExt cx="0" cy="0"/>
+        </a:xfrm>
+      </p:grpSpPr>
+      <p:sp>
+        <p:nvSpPr>
+          <p:cNvPr id="2" name="Título 1"/>
+          <p:cNvSpPr>
+            <a:spLocks noGrp="1"/>
+          </p:cNvSpPr>
+          <p:nvPr>
+            <p:ph type="title"/>
+          </p:nvPr>
+        </p:nvSpPr>
+        <p:spPr/>
+        <p:txBody>
+          <a:bodyPr/>
+          <a:lstStyle/>
+          <a:p>
+            <a:r>
+              <a:rPr lang="pt-BR" dirty="0">
+                <a:latin typeface="Segoe UI" panose="020B0502040204020203" pitchFamily="34" charset="0"/>
+                <a:cs typeface="Segoe UI" panose="020B0502040204020203" pitchFamily="34" charset="0"/>
+              </a:rPr>
+              <a:t>COMO SER EFICAZ? Seja o que Deus quiser...</a:t>
+            </a:r>
+          </a:p>
+        </p:txBody>
+      </p:sp>
+      <p:pic>
+        <p:nvPicPr>
+          <p:cNvPr id="10" name="Picture 14" descr="A picture containing person, building, man, indoor&#10;&#10;Description automatically generated">
+            <a:extLst>
+              <a:ext uri="{FF2B5EF4-FFF2-40B4-BE49-F238E27FC236}">
+                <a16:creationId xmlns:a16="http://schemas.microsoft.com/office/drawing/2014/main" id="{C44FDC2C-3B71-41C7-9C90-0BD4EB50BC05}"/>
+              </a:ext>
+            </a:extLst>
+          </p:cNvPr>
+          <p:cNvPicPr>
+            <a:picLocks noChangeAspect="1"/>
+          </p:cNvPicPr>
+          <p:nvPr/>
+        </p:nvPicPr>
+        <p:blipFill>
+          <a:blip r:embed="rId2">
+            <a:extLst>
+              <a:ext uri="{28A0092B-C50C-407E-A947-70E740481C1C}">
+                <a14:useLocalDpi xmlns:a14="http://schemas.microsoft.com/office/drawing/2010/main" val="0"/>
+              </a:ext>
+            </a:extLst>
+          </a:blip>
+          <a:stretch>
+            <a:fillRect/>
+          </a:stretch>
+        </p:blipFill>
+        <p:spPr>
+          <a:xfrm>
+            <a:off x="2777021" y="1448780"/>
+            <a:ext cx="6003954" cy="3960440"/>
+          </a:xfrm>
+          <a:prstGeom prst="rect">
+            <a:avLst/>
+          </a:prstGeom>
+          <a:ln>
+            <a:noFill/>
+          </a:ln>
+          <a:effectLst>
+            <a:outerShdw blurRad="292100" dist="139700" dir="2700000" algn="tl" rotWithShape="0">
+              <a:srgbClr val="333333">
+                <a:alpha val="65000"/>
+              </a:srgbClr>
+            </a:outerShdw>
+          </a:effectLst>
+        </p:spPr>
+      </p:pic>
+    </p:spTree>
+    <p:extLst>
+      <p:ext uri="{BB962C8B-B14F-4D97-AF65-F5344CB8AC3E}">
+        <p14:creationId xmlns:p14="http://schemas.microsoft.com/office/powerpoint/2010/main" val="894562595"/>
+      </p:ext>
+    </p:extLst>
+  </p:cSld>
+  <p:clrMapOvr>
+    <a:masterClrMapping/>
+  </p:clrMapOvr>
+  <p:transition>
+    <p:fade/>
+  </p:transition>
+</p:sld>
+</file>
+
+<file path=ppt/slides/slide5.xml><?xml version="1.0" encoding="utf-8"?>
+<p:sld xmlns:a="http://schemas.openxmlformats.org/drawingml/2006/main" xmlns:r="http://schemas.openxmlformats.org/officeDocument/2006/relationships" xmlns:p="http://schemas.openxmlformats.org/presentationml/2006/main">
+  <p:cSld>
+    <p:spTree>
+      <p:nvGrpSpPr>
+        <p:cNvPr id="1" name=""/>
+        <p:cNvGrpSpPr/>
+        <p:nvPr/>
+      </p:nvGrpSpPr>
+      <p:grpSpPr>
+        <a:xfrm>
+          <a:off x="0" y="0"/>
+          <a:ext cx="0" cy="0"/>
+          <a:chOff x="0" y="0"/>
+          <a:chExt cx="0" cy="0"/>
+        </a:xfrm>
+      </p:grpSpPr>
+      <p:sp>
+        <p:nvSpPr>
+          <p:cNvPr id="2" name="Título 1"/>
+          <p:cNvSpPr>
+            <a:spLocks noGrp="1"/>
+          </p:cNvSpPr>
+          <p:nvPr>
+            <p:ph type="title"/>
+          </p:nvPr>
+        </p:nvSpPr>
+        <p:spPr/>
+        <p:txBody>
+          <a:bodyPr/>
+          <a:lstStyle/>
+          <a:p>
+            <a:r>
+              <a:rPr lang="pt-BR" dirty="0">
+                <a:latin typeface="Segoe UI" panose="020B0502040204020203" pitchFamily="34" charset="0"/>
+                <a:cs typeface="Segoe UI" panose="020B0502040204020203" pitchFamily="34" charset="0"/>
+              </a:rPr>
+              <a:t>COMO SER EFICAZ? Não use métricas</a:t>
+            </a:r>
+          </a:p>
+        </p:txBody>
+      </p:sp>
+      <p:pic>
+        <p:nvPicPr>
+          <p:cNvPr id="9" name="Picture 10" descr="A picture containing photo, man, sign, food&#10;&#10;Description automatically generated">
+            <a:extLst>
+              <a:ext uri="{FF2B5EF4-FFF2-40B4-BE49-F238E27FC236}">
+                <a16:creationId xmlns:a16="http://schemas.microsoft.com/office/drawing/2014/main" id="{4F35C221-2E17-4FCA-8A77-72BF5F62B6A3}"/>
+              </a:ext>
+            </a:extLst>
+          </p:cNvPr>
+          <p:cNvPicPr>
+            <a:picLocks noChangeAspect="1"/>
+          </p:cNvPicPr>
+          <p:nvPr/>
+        </p:nvPicPr>
+        <p:blipFill rotWithShape="1">
+          <a:blip r:embed="rId2">
+            <a:extLst>
+              <a:ext uri="{28A0092B-C50C-407E-A947-70E740481C1C}">
+                <a14:useLocalDpi xmlns:a14="http://schemas.microsoft.com/office/drawing/2010/main" val="0"/>
+              </a:ext>
+            </a:extLst>
+          </a:blip>
+          <a:srcRect b="30551"/>
+          <a:stretch/>
+        </p:blipFill>
+        <p:spPr>
+          <a:xfrm>
+            <a:off x="3261542" y="1889626"/>
+            <a:ext cx="5668916" cy="3078748"/>
+          </a:xfrm>
+          <a:prstGeom prst="rect">
+            <a:avLst/>
+          </a:prstGeom>
+          <a:ln>
+            <a:noFill/>
+          </a:ln>
+          <a:effectLst>
+            <a:outerShdw blurRad="292100" dist="139700" dir="2700000" algn="tl" rotWithShape="0">
+              <a:srgbClr val="333333">
+                <a:alpha val="65000"/>
+              </a:srgbClr>
+            </a:outerShdw>
+          </a:effectLst>
+        </p:spPr>
+      </p:pic>
+    </p:spTree>
+    <p:extLst>
+      <p:ext uri="{BB962C8B-B14F-4D97-AF65-F5344CB8AC3E}">
+        <p14:creationId xmlns:p14="http://schemas.microsoft.com/office/powerpoint/2010/main" val="2877506298"/>
+      </p:ext>
+    </p:extLst>
+  </p:cSld>
+  <p:clrMapOvr>
+    <a:masterClrMapping/>
+  </p:clrMapOvr>
+  <p:transition>
+    <p:fade/>
+  </p:transition>
+</p:sld>
+</file>
+
+<file path=ppt/slides/slide6.xml><?xml version="1.0" encoding="utf-8"?>
+<p:sld xmlns:a="http://schemas.openxmlformats.org/drawingml/2006/main" xmlns:r="http://schemas.openxmlformats.org/officeDocument/2006/relationships" xmlns:p="http://schemas.openxmlformats.org/presentationml/2006/main">
+  <p:cSld>
+    <p:spTree>
+      <p:nvGrpSpPr>
+        <p:cNvPr id="1" name=""/>
+        <p:cNvGrpSpPr/>
+        <p:nvPr/>
+      </p:nvGrpSpPr>
+      <p:grpSpPr>
+        <a:xfrm>
+          <a:off x="0" y="0"/>
+          <a:ext cx="0" cy="0"/>
+          <a:chOff x="0" y="0"/>
+          <a:chExt cx="0" cy="0"/>
+        </a:xfrm>
+      </p:grpSpPr>
+      <p:sp>
+        <p:nvSpPr>
+          <p:cNvPr id="2" name="Título 1"/>
+          <p:cNvSpPr>
+            <a:spLocks noGrp="1"/>
+          </p:cNvSpPr>
+          <p:nvPr>
+            <p:ph type="title"/>
+          </p:nvPr>
+        </p:nvSpPr>
+        <p:spPr/>
+        <p:txBody>
+          <a:bodyPr/>
+          <a:lstStyle/>
+          <a:p>
+            <a:r>
+              <a:rPr lang="pt-BR">
+                <a:latin typeface="Segoe UI" panose="020B0502040204020203" pitchFamily="34" charset="0"/>
+                <a:cs typeface="Segoe UI" panose="020B0502040204020203" pitchFamily="34" charset="0"/>
+              </a:rPr>
+              <a:t>COMO SER EFICAZ? WTF’s</a:t>
+            </a:r>
+            <a:endParaRPr lang="pt-BR" dirty="0">
+              <a:latin typeface="Segoe UI" panose="020B0502040204020203" pitchFamily="34" charset="0"/>
+              <a:cs typeface="Segoe UI" panose="020B0502040204020203" pitchFamily="34" charset="0"/>
+            </a:endParaRPr>
+          </a:p>
+        </p:txBody>
+      </p:sp>
+      <p:pic>
+        <p:nvPicPr>
+          <p:cNvPr id="11" name="Picture 8" descr="A person looking at the camera&#10;&#10;Description automatically generated">
+            <a:extLst>
+              <a:ext uri="{FF2B5EF4-FFF2-40B4-BE49-F238E27FC236}">
+                <a16:creationId xmlns:a16="http://schemas.microsoft.com/office/drawing/2014/main" id="{AFF7A36F-4E54-439A-8C7E-A2F53CAD018F}"/>
+              </a:ext>
+            </a:extLst>
+          </p:cNvPr>
+          <p:cNvPicPr>
+            <a:picLocks noChangeAspect="1"/>
+          </p:cNvPicPr>
+          <p:nvPr/>
+        </p:nvPicPr>
+        <p:blipFill rotWithShape="1">
+          <a:blip r:embed="rId2">
+            <a:extLst>
+              <a:ext uri="{28A0092B-C50C-407E-A947-70E740481C1C}">
+                <a14:useLocalDpi xmlns:a14="http://schemas.microsoft.com/office/drawing/2010/main" val="0"/>
+              </a:ext>
+            </a:extLst>
+          </a:blip>
+          <a:srcRect b="2348"/>
+          <a:stretch/>
+        </p:blipFill>
+        <p:spPr>
+          <a:xfrm>
+            <a:off x="3490536" y="1520788"/>
+            <a:ext cx="5210928" cy="3816424"/>
+          </a:xfrm>
+          <a:prstGeom prst="rect">
+            <a:avLst/>
+          </a:prstGeom>
+          <a:ln>
+            <a:noFill/>
+          </a:ln>
+          <a:effectLst>
+            <a:outerShdw blurRad="190500" algn="tl" rotWithShape="0">
+              <a:srgbClr val="000000">
+                <a:alpha val="70000"/>
+              </a:srgbClr>
+            </a:outerShdw>
+          </a:effectLst>
+        </p:spPr>
+      </p:pic>
+      <p:pic>
+        <p:nvPicPr>
+          <p:cNvPr id="12" name="Picture 11" descr="A sign in front of a brick building&#10;&#10;Description automatically generated">
+            <a:extLst>
+              <a:ext uri="{FF2B5EF4-FFF2-40B4-BE49-F238E27FC236}">
+                <a16:creationId xmlns:a16="http://schemas.microsoft.com/office/drawing/2014/main" id="{780CBE2C-97D1-4DC6-BA1A-BDDBF1F6839F}"/>
+              </a:ext>
+            </a:extLst>
+          </p:cNvPr>
+          <p:cNvPicPr>
+            <a:picLocks noChangeAspect="1"/>
+          </p:cNvPicPr>
+          <p:nvPr/>
+        </p:nvPicPr>
+        <p:blipFill>
+          <a:blip r:embed="rId3" cstate="print">
+            <a:extLst>
+              <a:ext uri="{28A0092B-C50C-407E-A947-70E740481C1C}">
+                <a14:useLocalDpi xmlns:a14="http://schemas.microsoft.com/office/drawing/2010/main" val="0"/>
+              </a:ext>
+            </a:extLst>
+          </a:blip>
+          <a:stretch>
+            <a:fillRect/>
+          </a:stretch>
+        </p:blipFill>
+        <p:spPr>
+          <a:xfrm rot="20443232">
+            <a:off x="871500" y="1066909"/>
+            <a:ext cx="2324638" cy="1859711"/>
+          </a:xfrm>
+          <a:prstGeom prst="rect">
+            <a:avLst/>
+          </a:prstGeom>
+          <a:ln>
+            <a:noFill/>
+          </a:ln>
+          <a:effectLst>
+            <a:outerShdw blurRad="292100" dist="139700" dir="2700000" algn="tl" rotWithShape="0">
+              <a:srgbClr val="333333">
+                <a:alpha val="65000"/>
+              </a:srgbClr>
+            </a:outerShdw>
+          </a:effectLst>
+        </p:spPr>
+      </p:pic>
+    </p:spTree>
+    <p:extLst>
+      <p:ext uri="{BB962C8B-B14F-4D97-AF65-F5344CB8AC3E}">
+        <p14:creationId xmlns:p14="http://schemas.microsoft.com/office/powerpoint/2010/main" val="774327681"/>
+      </p:ext>
+    </p:extLst>
+  </p:cSld>
+  <p:clrMapOvr>
+    <a:masterClrMapping/>
+  </p:clrMapOvr>
+  <p:transition>
+    <p:fade/>
+  </p:transition>
+</p:sld>
+</file>
+
+<file path=ppt/slides/slide7.xml><?xml version="1.0" encoding="utf-8"?>
+<p:sld xmlns:a="http://schemas.openxmlformats.org/drawingml/2006/main" xmlns:r="http://schemas.openxmlformats.org/officeDocument/2006/relationships" xmlns:p="http://schemas.openxmlformats.org/presentationml/2006/main">
+  <p:cSld>
+    <p:spTree>
+      <p:nvGrpSpPr>
+        <p:cNvPr id="1" name=""/>
+        <p:cNvGrpSpPr/>
+        <p:nvPr/>
+      </p:nvGrpSpPr>
+      <p:grpSpPr>
+        <a:xfrm>
+          <a:off x="0" y="0"/>
+          <a:ext cx="0" cy="0"/>
+          <a:chOff x="0" y="0"/>
+          <a:chExt cx="0" cy="0"/>
+        </a:xfrm>
+      </p:grpSpPr>
+      <p:sp>
+        <p:nvSpPr>
+          <p:cNvPr id="2" name="Título 1"/>
+          <p:cNvSpPr>
+            <a:spLocks noGrp="1"/>
+          </p:cNvSpPr>
+          <p:nvPr>
+            <p:ph type="title"/>
+          </p:nvPr>
+        </p:nvSpPr>
+        <p:spPr/>
+        <p:txBody>
+          <a:bodyPr/>
+          <a:lstStyle/>
+          <a:p>
+            <a:r>
+              <a:rPr lang="pt-BR" dirty="0">
+                <a:latin typeface="Segoe UI" panose="020B0502040204020203" pitchFamily="34" charset="0"/>
+                <a:cs typeface="Segoe UI" panose="020B0502040204020203" pitchFamily="34" charset="0"/>
+              </a:rPr>
+              <a:t>A chave da questão é: MÉTRICA</a:t>
+            </a:r>
+          </a:p>
+        </p:txBody>
+      </p:sp>
+      <p:sp>
+        <p:nvSpPr>
+          <p:cNvPr id="7" name="TextBox 1">
+            <a:extLst>
+              <a:ext uri="{FF2B5EF4-FFF2-40B4-BE49-F238E27FC236}">
+                <a16:creationId xmlns:a16="http://schemas.microsoft.com/office/drawing/2014/main" id="{6EC98344-20B2-49FF-9F19-F9FBCB6826A0}"/>
+              </a:ext>
+            </a:extLst>
+          </p:cNvPr>
+          <p:cNvSpPr txBox="1"/>
+          <p:nvPr/>
+        </p:nvSpPr>
+        <p:spPr>
+          <a:xfrm>
+            <a:off x="2207568" y="1428452"/>
+            <a:ext cx="7138465" cy="4308872"/>
+          </a:xfrm>
+          <a:prstGeom prst="rect">
+            <a:avLst/>
+          </a:prstGeom>
+          <a:noFill/>
+        </p:spPr>
+        <p:txBody>
+          <a:bodyPr wrap="square" lIns="0" tIns="0" rIns="0" bIns="0" rtlCol="0">
+            <a:spAutoFit/>
+          </a:bodyPr>
+          <a:lstStyle/>
+          <a:p>
+            <a:pPr algn="just"/>
+            <a:r>
+              <a:rPr lang="pt-BR" sz="2000" dirty="0">
+                <a:solidFill>
+                  <a:srgbClr val="123274"/>
+                </a:solidFill>
+                <a:latin typeface="Segoe UI" panose="020B0502040204020203" pitchFamily="34" charset="0"/>
+                <a:cs typeface="Segoe UI" panose="020B0502040204020203" pitchFamily="34" charset="0"/>
+              </a:rPr>
+              <a:t>A abordagem deve ser baseada em </a:t>
+            </a:r>
+            <a:r>
+              <a:rPr lang="pt-BR" sz="2000" b="1" u="sng" dirty="0">
+                <a:solidFill>
+                  <a:srgbClr val="123274"/>
+                </a:solidFill>
+                <a:latin typeface="Segoe UI" panose="020B0502040204020203" pitchFamily="34" charset="0"/>
+                <a:cs typeface="Segoe UI" panose="020B0502040204020203" pitchFamily="34" charset="0"/>
+              </a:rPr>
+              <a:t>métricas</a:t>
+            </a:r>
+            <a:r>
+              <a:rPr lang="pt-BR" sz="2000" dirty="0">
+                <a:solidFill>
+                  <a:srgbClr val="123274"/>
+                </a:solidFill>
+                <a:latin typeface="Segoe UI" panose="020B0502040204020203" pitchFamily="34" charset="0"/>
+                <a:cs typeface="Segoe UI" panose="020B0502040204020203" pitchFamily="34" charset="0"/>
+              </a:rPr>
+              <a:t> de software.</a:t>
+            </a:r>
+          </a:p>
+          <a:p>
+            <a:pPr algn="just"/>
+            <a:endParaRPr lang="pt-BR" sz="2000" dirty="0">
+              <a:solidFill>
+                <a:srgbClr val="123274"/>
+              </a:solidFill>
+              <a:latin typeface="Segoe UI" panose="020B0502040204020203" pitchFamily="34" charset="0"/>
+              <a:cs typeface="Segoe UI" panose="020B0502040204020203" pitchFamily="34" charset="0"/>
+            </a:endParaRPr>
+          </a:p>
+          <a:p>
+            <a:pPr algn="just"/>
+            <a:r>
+              <a:rPr lang="pt-BR" sz="2000" dirty="0">
+                <a:solidFill>
+                  <a:srgbClr val="123274"/>
+                </a:solidFill>
+                <a:latin typeface="Segoe UI" panose="020B0502040204020203" pitchFamily="34" charset="0"/>
+                <a:cs typeface="Segoe UI" panose="020B0502040204020203" pitchFamily="34" charset="0"/>
+              </a:rPr>
+              <a:t>As métricas podem medir inúmeras características de software:</a:t>
+            </a:r>
+          </a:p>
+          <a:p>
+            <a:pPr marL="742950" lvl="1" indent="-285750" algn="just">
+              <a:buFont typeface="Arial" panose="020B0604020202020204" pitchFamily="34" charset="0"/>
+              <a:buChar char="•"/>
+            </a:pPr>
+            <a:r>
+              <a:rPr lang="pt-BR" sz="2000" dirty="0">
+                <a:solidFill>
+                  <a:srgbClr val="123274"/>
+                </a:solidFill>
+                <a:latin typeface="Segoe UI" panose="020B0502040204020203" pitchFamily="34" charset="0"/>
+                <a:cs typeface="Segoe UI" panose="020B0502040204020203" pitchFamily="34" charset="0"/>
+              </a:rPr>
+              <a:t>qualidade</a:t>
+            </a:r>
+          </a:p>
+          <a:p>
+            <a:pPr marL="742950" lvl="1" indent="-285750" algn="just">
+              <a:buFont typeface="Arial" panose="020B0604020202020204" pitchFamily="34" charset="0"/>
+              <a:buChar char="•"/>
+            </a:pPr>
+            <a:r>
+              <a:rPr lang="pt-BR" sz="2000" dirty="0">
+                <a:solidFill>
+                  <a:srgbClr val="123274"/>
+                </a:solidFill>
+                <a:latin typeface="Segoe UI" panose="020B0502040204020203" pitchFamily="34" charset="0"/>
+                <a:cs typeface="Segoe UI" panose="020B0502040204020203" pitchFamily="34" charset="0"/>
+              </a:rPr>
+              <a:t>segurança</a:t>
+            </a:r>
+          </a:p>
+          <a:p>
+            <a:pPr marL="742950" lvl="1" indent="-285750" algn="just">
+              <a:buFont typeface="Arial" panose="020B0604020202020204" pitchFamily="34" charset="0"/>
+              <a:buChar char="•"/>
+            </a:pPr>
+            <a:r>
+              <a:rPr lang="pt-BR" sz="2000" dirty="0">
+                <a:solidFill>
+                  <a:srgbClr val="123274"/>
+                </a:solidFill>
+                <a:latin typeface="Segoe UI" panose="020B0502040204020203" pitchFamily="34" charset="0"/>
+                <a:cs typeface="Segoe UI" panose="020B0502040204020203" pitchFamily="34" charset="0"/>
+              </a:rPr>
+              <a:t>processo</a:t>
+            </a:r>
+          </a:p>
+          <a:p>
+            <a:pPr algn="just"/>
+            <a:endParaRPr lang="pt-BR" sz="2000" dirty="0">
+              <a:solidFill>
+                <a:srgbClr val="123274"/>
+              </a:solidFill>
+              <a:latin typeface="Segoe UI" panose="020B0502040204020203" pitchFamily="34" charset="0"/>
+              <a:cs typeface="Segoe UI" panose="020B0502040204020203" pitchFamily="34" charset="0"/>
+            </a:endParaRPr>
+          </a:p>
+          <a:p>
+            <a:pPr algn="just"/>
+            <a:r>
+              <a:rPr lang="pt-BR" sz="2000" dirty="0">
+                <a:solidFill>
+                  <a:srgbClr val="123274"/>
+                </a:solidFill>
+                <a:latin typeface="Segoe UI" panose="020B0502040204020203" pitchFamily="34" charset="0"/>
+                <a:cs typeface="Segoe UI" panose="020B0502040204020203" pitchFamily="34" charset="0"/>
+              </a:rPr>
+              <a:t>No que se refere ao código e sua </a:t>
+            </a:r>
+            <a:r>
+              <a:rPr lang="pt-BR" sz="2000" dirty="0" err="1">
+                <a:solidFill>
+                  <a:srgbClr val="123274"/>
+                </a:solidFill>
+                <a:latin typeface="Segoe UI" panose="020B0502040204020203" pitchFamily="34" charset="0"/>
+                <a:cs typeface="Segoe UI" panose="020B0502040204020203" pitchFamily="34" charset="0"/>
+              </a:rPr>
+              <a:t>refatoração</a:t>
+            </a:r>
+            <a:r>
+              <a:rPr lang="pt-BR" sz="2000" dirty="0">
+                <a:solidFill>
+                  <a:srgbClr val="123274"/>
+                </a:solidFill>
+                <a:latin typeface="Segoe UI" panose="020B0502040204020203" pitchFamily="34" charset="0"/>
+                <a:cs typeface="Segoe UI" panose="020B0502040204020203" pitchFamily="34" charset="0"/>
+              </a:rPr>
+              <a:t>, o foco estará nas métricas relacionadas aos atributos de qualidade, tais como:</a:t>
+            </a:r>
+          </a:p>
+          <a:p>
+            <a:pPr marL="742950" lvl="1" indent="-285750" algn="just">
+              <a:buFont typeface="Arial" panose="020B0604020202020204" pitchFamily="34" charset="0"/>
+              <a:buChar char="•"/>
+            </a:pPr>
+            <a:r>
+              <a:rPr lang="pt-BR" sz="2000" dirty="0">
+                <a:solidFill>
+                  <a:srgbClr val="123274"/>
+                </a:solidFill>
+                <a:latin typeface="Segoe UI" panose="020B0502040204020203" pitchFamily="34" charset="0"/>
+                <a:cs typeface="Segoe UI" panose="020B0502040204020203" pitchFamily="34" charset="0"/>
+              </a:rPr>
+              <a:t>tamanho</a:t>
+            </a:r>
+          </a:p>
+          <a:p>
+            <a:pPr marL="742950" lvl="1" indent="-285750" algn="just">
+              <a:buFont typeface="Arial" panose="020B0604020202020204" pitchFamily="34" charset="0"/>
+              <a:buChar char="•"/>
+            </a:pPr>
+            <a:r>
+              <a:rPr lang="pt-BR" sz="2000" dirty="0">
+                <a:solidFill>
+                  <a:srgbClr val="123274"/>
+                </a:solidFill>
+                <a:latin typeface="Segoe UI" panose="020B0502040204020203" pitchFamily="34" charset="0"/>
+                <a:cs typeface="Segoe UI" panose="020B0502040204020203" pitchFamily="34" charset="0"/>
+              </a:rPr>
+              <a:t>complexidade</a:t>
+            </a:r>
+          </a:p>
+          <a:p>
+            <a:pPr marL="742950" lvl="1" indent="-285750" algn="just">
+              <a:buFont typeface="Arial" panose="020B0604020202020204" pitchFamily="34" charset="0"/>
+              <a:buChar char="•"/>
+            </a:pPr>
+            <a:r>
+              <a:rPr lang="pt-BR" sz="2000" dirty="0">
+                <a:solidFill>
+                  <a:srgbClr val="123274"/>
+                </a:solidFill>
+                <a:latin typeface="Segoe UI" panose="020B0502040204020203" pitchFamily="34" charset="0"/>
+                <a:cs typeface="Segoe UI" panose="020B0502040204020203" pitchFamily="34" charset="0"/>
+              </a:rPr>
+              <a:t>manutenibilidade</a:t>
+            </a:r>
+          </a:p>
+          <a:p>
+            <a:pPr marL="742950" lvl="1" indent="-285750" algn="just">
+              <a:buFont typeface="Arial" panose="020B0604020202020204" pitchFamily="34" charset="0"/>
+              <a:buChar char="•"/>
+            </a:pPr>
+            <a:r>
+              <a:rPr lang="pt-BR" sz="2000" dirty="0">
+                <a:solidFill>
+                  <a:srgbClr val="123274"/>
+                </a:solidFill>
+                <a:latin typeface="Segoe UI" panose="020B0502040204020203" pitchFamily="34" charset="0"/>
+                <a:cs typeface="Segoe UI" panose="020B0502040204020203" pitchFamily="34" charset="0"/>
+              </a:rPr>
+              <a:t>confiabilidade</a:t>
+            </a:r>
+          </a:p>
+          <a:p>
+            <a:pPr marL="742950" lvl="1" indent="-285750" algn="just">
+              <a:buFont typeface="Arial" panose="020B0604020202020204" pitchFamily="34" charset="0"/>
+              <a:buChar char="•"/>
+            </a:pPr>
+            <a:r>
+              <a:rPr lang="pt-BR" sz="2000" dirty="0">
+                <a:solidFill>
+                  <a:srgbClr val="123274"/>
+                </a:solidFill>
+                <a:latin typeface="Segoe UI" panose="020B0502040204020203" pitchFamily="34" charset="0"/>
+                <a:cs typeface="Segoe UI" panose="020B0502040204020203" pitchFamily="34" charset="0"/>
+              </a:rPr>
+              <a:t>duplicidade</a:t>
+            </a:r>
+          </a:p>
+        </p:txBody>
+      </p:sp>
+      <p:pic>
+        <p:nvPicPr>
+          <p:cNvPr id="8" name="Picture 5" descr="A picture containing clock&#10;&#10;Description automatically generated">
+            <a:extLst>
+              <a:ext uri="{FF2B5EF4-FFF2-40B4-BE49-F238E27FC236}">
+                <a16:creationId xmlns:a16="http://schemas.microsoft.com/office/drawing/2014/main" id="{F4A4ECF4-28EB-41BB-8294-01FAFDD1204C}"/>
+              </a:ext>
+            </a:extLst>
+          </p:cNvPr>
+          <p:cNvPicPr>
+            <a:picLocks noChangeAspect="1"/>
+          </p:cNvPicPr>
+          <p:nvPr/>
+        </p:nvPicPr>
+        <p:blipFill>
+          <a:blip r:embed="rId2">
+            <a:extLst>
+              <a:ext uri="{28A0092B-C50C-407E-A947-70E740481C1C}">
+                <a14:useLocalDpi xmlns:a14="http://schemas.microsoft.com/office/drawing/2010/main" val="0"/>
+              </a:ext>
+            </a:extLst>
+          </a:blip>
+          <a:stretch>
+            <a:fillRect/>
+          </a:stretch>
+        </p:blipFill>
+        <p:spPr>
+          <a:xfrm>
+            <a:off x="5439004" y="4704327"/>
+            <a:ext cx="1313992" cy="1313992"/>
+          </a:xfrm>
+          <a:prstGeom prst="rect">
+            <a:avLst/>
+          </a:prstGeom>
+          <a:ln>
+            <a:noFill/>
+          </a:ln>
+          <a:effectLst>
+            <a:outerShdw blurRad="292100" dist="139700" dir="2700000" algn="tl" rotWithShape="0">
+              <a:srgbClr val="333333">
+                <a:alpha val="65000"/>
+              </a:srgbClr>
+            </a:outerShdw>
+          </a:effectLst>
+        </p:spPr>
+      </p:pic>
+      <p:pic>
+        <p:nvPicPr>
+          <p:cNvPr id="12" name="Picture 6" descr="A white and black tiled wall&#10;&#10;Description automatically generated">
+            <a:extLst>
+              <a:ext uri="{FF2B5EF4-FFF2-40B4-BE49-F238E27FC236}">
+                <a16:creationId xmlns:a16="http://schemas.microsoft.com/office/drawing/2014/main" id="{C2FECB1F-F8C5-47F6-B632-5C5826BA9147}"/>
+              </a:ext>
+            </a:extLst>
+          </p:cNvPr>
+          <p:cNvPicPr>
+            <a:picLocks noChangeAspect="1"/>
+          </p:cNvPicPr>
+          <p:nvPr/>
+        </p:nvPicPr>
+        <p:blipFill>
+          <a:blip r:embed="rId3" cstate="print">
+            <a:extLst>
+              <a:ext uri="{28A0092B-C50C-407E-A947-70E740481C1C}">
+                <a14:useLocalDpi xmlns:a14="http://schemas.microsoft.com/office/drawing/2010/main" val="0"/>
+              </a:ext>
+            </a:extLst>
+          </a:blip>
+          <a:stretch>
+            <a:fillRect/>
+          </a:stretch>
+        </p:blipFill>
+        <p:spPr>
+          <a:xfrm>
+            <a:off x="9984432" y="2608057"/>
+            <a:ext cx="1024492" cy="1024492"/>
+          </a:xfrm>
+          <a:prstGeom prst="rect">
+            <a:avLst/>
+          </a:prstGeom>
+          <a:ln>
+            <a:noFill/>
+          </a:ln>
+          <a:effectLst>
+            <a:outerShdw blurRad="190500" algn="tl" rotWithShape="0">
+              <a:srgbClr val="000000">
+                <a:alpha val="70000"/>
+              </a:srgbClr>
+            </a:outerShdw>
+          </a:effectLst>
+        </p:spPr>
+      </p:pic>
+      <p:pic>
+        <p:nvPicPr>
+          <p:cNvPr id="13" name="Picture 7" descr="A picture containing object, plate&#10;&#10;Description automatically generated">
+            <a:extLst>
+              <a:ext uri="{FF2B5EF4-FFF2-40B4-BE49-F238E27FC236}">
+                <a16:creationId xmlns:a16="http://schemas.microsoft.com/office/drawing/2014/main" id="{267CFE37-F4AA-4411-9518-9F4C7ADDCC6C}"/>
+              </a:ext>
+            </a:extLst>
+          </p:cNvPr>
+          <p:cNvPicPr>
+            <a:picLocks noChangeAspect="1"/>
+          </p:cNvPicPr>
+          <p:nvPr/>
+        </p:nvPicPr>
+        <p:blipFill>
+          <a:blip r:embed="rId4" cstate="print">
+            <a:extLst>
+              <a:ext uri="{28A0092B-C50C-407E-A947-70E740481C1C}">
+                <a14:useLocalDpi xmlns:a14="http://schemas.microsoft.com/office/drawing/2010/main" val="0"/>
+              </a:ext>
+            </a:extLst>
+          </a:blip>
+          <a:stretch>
+            <a:fillRect/>
+          </a:stretch>
+        </p:blipFill>
+        <p:spPr>
+          <a:xfrm>
+            <a:off x="839416" y="2785934"/>
+            <a:ext cx="948884" cy="668737"/>
+          </a:xfrm>
+          <a:prstGeom prst="rect">
+            <a:avLst/>
+          </a:prstGeom>
+          <a:ln>
+            <a:noFill/>
+          </a:ln>
+          <a:effectLst>
+            <a:softEdge rad="112500"/>
+          </a:effectLst>
+        </p:spPr>
+      </p:pic>
+    </p:spTree>
+    <p:extLst>
+      <p:ext uri="{BB962C8B-B14F-4D97-AF65-F5344CB8AC3E}">
+        <p14:creationId xmlns:p14="http://schemas.microsoft.com/office/powerpoint/2010/main" val="2172860785"/>
+      </p:ext>
+    </p:extLst>
+  </p:cSld>
+  <p:clrMapOvr>
+    <a:masterClrMapping/>
+  </p:clrMapOvr>
+  <p:transition>
+    <p:fade/>
+  </p:transition>
+</p:sld>
+</file>
+
+<file path=ppt/slides/slide8.xml><?xml version="1.0" encoding="utf-8"?>
+<p:sld xmlns:a="http://schemas.openxmlformats.org/drawingml/2006/main" xmlns:r="http://schemas.openxmlformats.org/officeDocument/2006/relationships" xmlns:p="http://schemas.openxmlformats.org/presentationml/2006/main">
+  <p:cSld>
+    <p:spTree>
+      <p:nvGrpSpPr>
+        <p:cNvPr id="1" name=""/>
+        <p:cNvGrpSpPr/>
+        <p:nvPr/>
+      </p:nvGrpSpPr>
+      <p:grpSpPr>
+        <a:xfrm>
+          <a:off x="0" y="0"/>
+          <a:ext cx="0" cy="0"/>
+          <a:chOff x="0" y="0"/>
+          <a:chExt cx="0" cy="0"/>
+        </a:xfrm>
+      </p:grpSpPr>
+      <p:sp>
+        <p:nvSpPr>
+          <p:cNvPr id="2" name="Título 1"/>
+          <p:cNvSpPr>
+            <a:spLocks noGrp="1"/>
+          </p:cNvSpPr>
+          <p:nvPr>
+            <p:ph type="title"/>
+          </p:nvPr>
+        </p:nvSpPr>
+        <p:spPr/>
+        <p:txBody>
+          <a:bodyPr/>
+          <a:lstStyle/>
+          <a:p>
+            <a:r>
+              <a:rPr lang="pt-BR">
+                <a:latin typeface="Segoe UI" panose="020B0502040204020203" pitchFamily="34" charset="0"/>
+                <a:cs typeface="Segoe UI" panose="020B0502040204020203" pitchFamily="34" charset="0"/>
+              </a:rPr>
+              <a:t>COMO SER EFICAZ? WTF’s</a:t>
+            </a:r>
+            <a:endParaRPr lang="pt-BR" dirty="0">
+              <a:latin typeface="Segoe UI" panose="020B0502040204020203" pitchFamily="34" charset="0"/>
+              <a:cs typeface="Segoe UI" panose="020B0502040204020203" pitchFamily="34" charset="0"/>
+            </a:endParaRPr>
+          </a:p>
+        </p:txBody>
+      </p:sp>
+      <p:pic>
+        <p:nvPicPr>
+          <p:cNvPr id="4" name="Picture 3">
+            <a:extLst>
+              <a:ext uri="{FF2B5EF4-FFF2-40B4-BE49-F238E27FC236}">
+                <a16:creationId xmlns:a16="http://schemas.microsoft.com/office/drawing/2014/main" id="{932449A6-E83B-4660-B0A8-57D95DDC0A16}"/>
+              </a:ext>
+            </a:extLst>
+          </p:cNvPr>
+          <p:cNvPicPr>
+            <a:picLocks noChangeAspect="1"/>
+          </p:cNvPicPr>
+          <p:nvPr/>
+        </p:nvPicPr>
+        <p:blipFill>
+          <a:blip r:embed="rId2">
+            <a:extLst>
+              <a:ext uri="{28A0092B-C50C-407E-A947-70E740481C1C}">
+                <a14:useLocalDpi xmlns:a14="http://schemas.microsoft.com/office/drawing/2010/main" val="0"/>
+              </a:ext>
+            </a:extLst>
+          </a:blip>
+          <a:stretch>
+            <a:fillRect/>
+          </a:stretch>
+        </p:blipFill>
+        <p:spPr>
+          <a:xfrm>
+            <a:off x="3143672" y="1257682"/>
+            <a:ext cx="5904656" cy="4342636"/>
+          </a:xfrm>
+          <a:prstGeom prst="rect">
+            <a:avLst/>
+          </a:prstGeom>
+        </p:spPr>
+      </p:pic>
+      <p:pic>
+        <p:nvPicPr>
+          <p:cNvPr id="5" name="Picture 4" descr="A sign in front of a brick building&#10;&#10;Description automatically generated">
+            <a:extLst>
+              <a:ext uri="{FF2B5EF4-FFF2-40B4-BE49-F238E27FC236}">
+                <a16:creationId xmlns:a16="http://schemas.microsoft.com/office/drawing/2014/main" id="{9D540AB3-72A5-4F0A-9AE5-E782413B907D}"/>
+              </a:ext>
+            </a:extLst>
+          </p:cNvPr>
+          <p:cNvPicPr>
+            <a:picLocks noChangeAspect="1"/>
+          </p:cNvPicPr>
+          <p:nvPr/>
+        </p:nvPicPr>
+        <p:blipFill>
+          <a:blip r:embed="rId3" cstate="print">
+            <a:extLst>
+              <a:ext uri="{28A0092B-C50C-407E-A947-70E740481C1C}">
+                <a14:useLocalDpi xmlns:a14="http://schemas.microsoft.com/office/drawing/2010/main" val="0"/>
+              </a:ext>
+            </a:extLst>
+          </a:blip>
+          <a:stretch>
+            <a:fillRect/>
+          </a:stretch>
+        </p:blipFill>
+        <p:spPr>
+          <a:xfrm rot="20443232">
+            <a:off x="871500" y="1066909"/>
+            <a:ext cx="2324638" cy="1859711"/>
+          </a:xfrm>
+          <a:prstGeom prst="rect">
+            <a:avLst/>
+          </a:prstGeom>
+          <a:ln>
+            <a:noFill/>
+          </a:ln>
+          <a:effectLst>
+            <a:outerShdw blurRad="292100" dist="139700" dir="2700000" algn="tl" rotWithShape="0">
+              <a:srgbClr val="333333">
+                <a:alpha val="65000"/>
+              </a:srgbClr>
+            </a:outerShdw>
+          </a:effectLst>
+        </p:spPr>
+      </p:pic>
+    </p:spTree>
+    <p:extLst>
+      <p:ext uri="{BB962C8B-B14F-4D97-AF65-F5344CB8AC3E}">
+        <p14:creationId xmlns:p14="http://schemas.microsoft.com/office/powerpoint/2010/main" val="3160841798"/>
+      </p:ext>
+    </p:extLst>
+  </p:cSld>
+  <p:clrMapOvr>
+    <a:masterClrMapping/>
+  </p:clrMapOvr>
+  <p:transition>
+    <p:fade/>
+  </p:transition>
+</p:sld>
+</file>
+
+<file path=ppt/slides/slide9.xml><?xml version="1.0" encoding="utf-8"?>
+<p:sld xmlns:a="http://schemas.openxmlformats.org/drawingml/2006/main" xmlns:r="http://schemas.openxmlformats.org/officeDocument/2006/relationships" xmlns:p="http://schemas.openxmlformats.org/presentationml/2006/main">
+  <p:cSld>
+    <p:spTree>
+      <p:nvGrpSpPr>
+        <p:cNvPr id="1" name=""/>
+        <p:cNvGrpSpPr/>
+        <p:nvPr/>
+      </p:nvGrpSpPr>
+      <p:grpSpPr>
+        <a:xfrm>
+          <a:off x="0" y="0"/>
+          <a:ext cx="0" cy="0"/>
+          <a:chOff x="0" y="0"/>
+          <a:chExt cx="0" cy="0"/>
+        </a:xfrm>
+      </p:grpSpPr>
+      <p:sp>
+        <p:nvSpPr>
+          <p:cNvPr id="6" name="Rectangle 13"/>
+          <p:cNvSpPr/>
+          <p:nvPr/>
+        </p:nvSpPr>
+        <p:spPr>
+          <a:xfrm>
+            <a:off x="335360" y="3077189"/>
+            <a:ext cx="9361040" cy="639278"/>
+          </a:xfrm>
+          <a:prstGeom prst="rect">
+            <a:avLst/>
+          </a:prstGeom>
+        </p:spPr>
+        <p:txBody>
+          <a:bodyPr wrap="square" anchor="ctr">
+            <a:spAutoFit/>
+          </a:bodyPr>
+          <a:lstStyle/>
+          <a:p>
+            <a:pPr lvl="0">
+              <a:lnSpc>
+                <a:spcPts val="4600"/>
+              </a:lnSpc>
+            </a:pPr>
+            <a:r>
+              <a:rPr lang="en-US" sz="3600" dirty="0" err="1">
+                <a:solidFill>
+                  <a:srgbClr val="FFFFFF"/>
+                </a:solidFill>
+                <a:latin typeface="Segoe UI" panose="020B0502040204020203" pitchFamily="34" charset="0"/>
+                <a:cs typeface="Segoe UI" panose="020B0502040204020203" pitchFamily="34" charset="0"/>
+              </a:rPr>
+              <a:t>Referências</a:t>
+            </a:r>
+            <a:endParaRPr lang="en-US" sz="3600" dirty="0">
+              <a:solidFill>
+                <a:srgbClr val="FFFFFF"/>
+              </a:solidFill>
+              <a:latin typeface="Segoe UI" panose="020B0502040204020203" pitchFamily="34" charset="0"/>
+              <a:cs typeface="Segoe UI" panose="020B0502040204020203" pitchFamily="34" charset="0"/>
+            </a:endParaRPr>
+          </a:p>
+        </p:txBody>
+      </p:sp>
+      <p:pic>
+        <p:nvPicPr>
+          <p:cNvPr id="3" name="Imagem 2" descr="Homem de terno e gravata&#10;&#10;Descrição gerada automaticamente">
+            <a:extLst>
+              <a:ext uri="{FF2B5EF4-FFF2-40B4-BE49-F238E27FC236}">
+                <a16:creationId xmlns:a16="http://schemas.microsoft.com/office/drawing/2014/main" id="{B7CF9731-B742-4361-B426-B113AA0D89B1}"/>
+              </a:ext>
+            </a:extLst>
+          </p:cNvPr>
+          <p:cNvPicPr>
+            <a:picLocks noChangeAspect="1"/>
+          </p:cNvPicPr>
+          <p:nvPr/>
+        </p:nvPicPr>
+        <p:blipFill>
+          <a:blip r:embed="rId2">
+            <a:extLst>
+              <a:ext uri="{28A0092B-C50C-407E-A947-70E740481C1C}">
+                <a14:useLocalDpi xmlns:a14="http://schemas.microsoft.com/office/drawing/2010/main" val="0"/>
+              </a:ext>
+            </a:extLst>
+          </a:blip>
+          <a:stretch>
+            <a:fillRect/>
+          </a:stretch>
+        </p:blipFill>
+        <p:spPr>
+          <a:xfrm>
+            <a:off x="4439816" y="2165678"/>
+            <a:ext cx="3312368" cy="2526643"/>
+          </a:xfrm>
+          <a:prstGeom prst="rect">
+            <a:avLst/>
+          </a:prstGeom>
+          <a:ln>
+            <a:noFill/>
+          </a:ln>
+          <a:effectLst>
+            <a:outerShdw blurRad="190500" algn="tl" rotWithShape="0">
+              <a:srgbClr val="000000">
+                <a:alpha val="70000"/>
+              </a:srgbClr>
+            </a:outerShdw>
+          </a:effectLst>
+        </p:spPr>
+      </p:pic>
+    </p:spTree>
+    <p:extLst>
+      <p:ext uri="{BB962C8B-B14F-4D97-AF65-F5344CB8AC3E}">
+        <p14:creationId xmlns:p14="http://schemas.microsoft.com/office/powerpoint/2010/main" val="2822912050"/>
       </p:ext>
     </p:extLst>
   </p:cSld>
@@ -9140,24 +9465,6 @@
 </file>
 
 <file path=customXml/item1.xml><?xml version="1.0" encoding="utf-8"?>
-<p:properties xmlns:p="http://schemas.microsoft.com/office/2006/metadata/properties" xmlns:xsi="http://www.w3.org/2001/XMLSchema-instance" xmlns:pc="http://schemas.microsoft.com/office/infopath/2007/PartnerControls">
-  <documentManagement>
-    <PublishingExpirationDate xmlns="http://schemas.microsoft.com/sharepoint/v3" xsi:nil="true"/>
-    <PublishingStartDate xmlns="http://schemas.microsoft.com/sharepoint/v3" xsi:nil="true"/>
-  </documentManagement>
-</p:properties>
-</file>
-
-<file path=customXml/item2.xml><?xml version="1.0" encoding="utf-8"?>
-<?mso-contentType ?>
-<FormTemplates xmlns="http://schemas.microsoft.com/sharepoint/v3/contenttype/forms">
-  <Display>DocumentLibraryForm</Display>
-  <Edit>DocumentLibraryForm</Edit>
-  <New>DocumentLibraryForm</New>
-</FormTemplates>
-</file>
-
-<file path=customXml/item3.xml><?xml version="1.0" encoding="utf-8"?>
 <ct:contentTypeSchema xmlns:ct="http://schemas.microsoft.com/office/2006/metadata/contentType" xmlns:ma="http://schemas.microsoft.com/office/2006/metadata/properties/metaAttributes" ct:_="" ma:_="" ma:contentTypeName="Documento" ma:contentTypeID="0x0101001996EFEF7D0459479C2B077F9CC506F4" ma:contentTypeVersion="10" ma:contentTypeDescription="Crie um novo documento." ma:contentTypeScope="" ma:versionID="43cd10b64f265b7dd32059be640333a9">
   <xsd:schema xmlns:xsd="http://www.w3.org/2001/XMLSchema" xmlns:xs="http://www.w3.org/2001/XMLSchema" xmlns:p="http://schemas.microsoft.com/office/2006/metadata/properties" xmlns:ns1="http://schemas.microsoft.com/sharepoint/v3" xmlns:ns2="80facd6c-f04a-426f-adbd-b3840a7840bd" xmlns:ns3="d33496c5-bd94-446e-a363-fca1fec0d15a" targetNamespace="http://schemas.microsoft.com/office/2006/metadata/properties" ma:root="true" ma:fieldsID="0d6b128c5ce9545d0d2912f9a975af95" ns1:_="" ns2:_="" ns3:_="">
     <xsd:import namespace="http://schemas.microsoft.com/sharepoint/v3"/>
@@ -9371,25 +9678,25 @@
 </ct:contentTypeSchema>
 </file>
 
-<file path=customXml/itemProps1.xml><?xml version="1.0" encoding="utf-8"?>
-<ds:datastoreItem xmlns:ds="http://schemas.openxmlformats.org/officeDocument/2006/customXml" ds:itemID="{BEF3FD83-2601-46A9-AA9B-655B326F1C5E}">
-  <ds:schemaRefs>
-    <ds:schemaRef ds:uri="http://schemas.microsoft.com/office/2006/metadata/properties"/>
-    <ds:schemaRef ds:uri="http://schemas.microsoft.com/office/infopath/2007/PartnerControls"/>
-    <ds:schemaRef ds:uri="http://schemas.microsoft.com/sharepoint/v3"/>
-  </ds:schemaRefs>
-</ds:datastoreItem>
+<file path=customXml/item2.xml><?xml version="1.0" encoding="utf-8"?>
+<p:properties xmlns:p="http://schemas.microsoft.com/office/2006/metadata/properties" xmlns:xsi="http://www.w3.org/2001/XMLSchema-instance" xmlns:pc="http://schemas.microsoft.com/office/infopath/2007/PartnerControls">
+  <documentManagement>
+    <PublishingExpirationDate xmlns="http://schemas.microsoft.com/sharepoint/v3" xsi:nil="true"/>
+    <PublishingStartDate xmlns="http://schemas.microsoft.com/sharepoint/v3" xsi:nil="true"/>
+  </documentManagement>
+</p:properties>
 </file>
 
-<file path=customXml/itemProps2.xml><?xml version="1.0" encoding="utf-8"?>
-<ds:datastoreItem xmlns:ds="http://schemas.openxmlformats.org/officeDocument/2006/customXml" ds:itemID="{98DACE87-CD74-4C35-ADF8-12B4276F2F66}">
-  <ds:schemaRefs>
-    <ds:schemaRef ds:uri="http://schemas.microsoft.com/sharepoint/v3/contenttype/forms"/>
-  </ds:schemaRefs>
-</ds:datastoreItem>
+<file path=customXml/item3.xml><?xml version="1.0" encoding="utf-8"?>
+<?mso-contentType ?>
+<FormTemplates xmlns="http://schemas.microsoft.com/sharepoint/v3/contenttype/forms">
+  <Display>DocumentLibraryForm</Display>
+  <Edit>DocumentLibraryForm</Edit>
+  <New>DocumentLibraryForm</New>
+</FormTemplates>
 </file>
 
-<file path=customXml/itemProps3.xml><?xml version="1.0" encoding="utf-8"?>
+<file path=customXml/itemProps1.xml><?xml version="1.0" encoding="utf-8"?>
 <ds:datastoreItem xmlns:ds="http://schemas.openxmlformats.org/officeDocument/2006/customXml" ds:itemID="{AB30B8D0-9C02-4061-951A-8B7B3A86F5B0}">
   <ds:schemaRefs>
     <ds:schemaRef ds:uri="http://schemas.microsoft.com/office/2006/metadata/contentType"/>
@@ -9407,4 +9714,22 @@
     <ds:schemaRef ds:uri="http://schemas.microsoft.com/internal/obd"/>
   </ds:schemaRefs>
 </ds:datastoreItem>
+</file>
+
+<file path=customXml/itemProps2.xml><?xml version="1.0" encoding="utf-8"?>
+<ds:datastoreItem xmlns:ds="http://schemas.openxmlformats.org/officeDocument/2006/customXml" ds:itemID="{BEF3FD83-2601-46A9-AA9B-655B326F1C5E}">
+  <ds:schemaRefs>
+    <ds:schemaRef ds:uri="http://schemas.microsoft.com/office/2006/metadata/properties"/>
+    <ds:schemaRef ds:uri="http://schemas.microsoft.com/office/infopath/2007/PartnerControls"/>
+    <ds:schemaRef ds:uri="http://schemas.microsoft.com/sharepoint/v3"/>
+  </ds:schemaRefs>
+</ds:datastoreItem>
+</file>
+
+<file path=customXml/itemProps3.xml><?xml version="1.0" encoding="utf-8"?>
+<ds:datastoreItem xmlns:ds="http://schemas.openxmlformats.org/officeDocument/2006/customXml" ds:itemID="{98DACE87-CD74-4C35-ADF8-12B4276F2F66}">
+  <ds:schemaRefs>
+    <ds:schemaRef ds:uri="http://schemas.microsoft.com/sharepoint/v3/contenttype/forms"/>
+  </ds:schemaRefs>
+</ds:datastoreItem>
 </file>